--- a/JS/004_lesson/Presentation/Context_this.pptx
+++ b/JS/004_lesson/Presentation/Context_this.pptx
@@ -108,6 +108,22 @@
       </a:defRPr>
     </a:lvl9pPr>
   </p:defaultTextStyle>
+  <p:extLst>
+    <p:ext uri="{EFAFB233-063F-42B5-8137-9DF3F51BA10A}">
+      <p15:sldGuideLst xmlns:p15="http://schemas.microsoft.com/office/powerpoint/2012/main">
+        <p15:guide id="1" orient="horz" pos="2160">
+          <p15:clr>
+            <a:srgbClr val="A4A3A4"/>
+          </p15:clr>
+        </p15:guide>
+        <p15:guide id="2" pos="2880">
+          <p15:clr>
+            <a:srgbClr val="A4A3A4"/>
+          </p15:clr>
+        </p15:guide>
+      </p15:sldGuideLst>
+    </p:ext>
+  </p:extLst>
 </p:presentation>
 </file>
 
@@ -166,10 +182,9 @@
           </a:lstStyle>
           <a:p>
             <a:r>
-              <a:rPr lang="en-US" dirty="0" smtClean="0"/>
+              <a:rPr lang="en-US" dirty="0"/>
               <a:t>title style</a:t>
             </a:r>
-            <a:endParaRPr lang="en-US" dirty="0"/>
           </a:p>
         </p:txBody>
       </p:sp>
@@ -289,7 +304,7 @@
           </a:lstStyle>
           <a:p>
             <a:r>
-              <a:rPr lang="ru-RU" smtClean="0"/>
+              <a:rPr lang="ru-RU"/>
               <a:t>Образец подзаголовка</a:t>
             </a:r>
             <a:endParaRPr lang="en-US" dirty="0"/>
@@ -618,20 +633,13 @@
     </p:spTree>
     <p:extLst>
       <p:ext uri="{BB962C8B-B14F-4D97-AF65-F5344CB8AC3E}">
-        <p14:creationId xmlns="" xmlns:p14="http://schemas.microsoft.com/office/powerpoint/2010/main" val="3537187278"/>
+        <p14:creationId xmlns:p14="http://schemas.microsoft.com/office/powerpoint/2010/main" val="3537187278"/>
       </p:ext>
     </p:extLst>
   </p:cSld>
   <p:clrMapOvr>
     <a:overrideClrMapping bg1="lt1" tx1="dk1" bg2="lt2" tx2="dk2" accent1="accent1" accent2="accent2" accent3="accent3" accent4="accent4" accent5="accent5" accent6="accent6" hlink="hlink" folHlink="folHlink"/>
   </p:clrMapOvr>
-  <p:timing>
-    <p:tnLst>
-      <p:par>
-        <p:cTn id="1" dur="indefinite" restart="never" nodeType="tmRoot"/>
-      </p:par>
-    </p:tnLst>
-  </p:timing>
 </p:sldLayout>
 </file>
 
@@ -664,7 +672,7 @@
           <a:blip r:embed="rId2" cstate="print">
             <a:extLst>
               <a:ext uri="{28A0092B-C50C-407E-A947-70E740481C1C}">
-                <a14:useLocalDpi xmlns="" xmlns:a14="http://schemas.microsoft.com/office/drawing/2010/main" val="0"/>
+                <a14:useLocalDpi xmlns:a14="http://schemas.microsoft.com/office/drawing/2010/main" val="0"/>
               </a:ext>
             </a:extLst>
           </a:blip>
@@ -688,14 +696,14 @@
           <a:effectLst/>
           <a:extLst>
             <a:ext uri="{909E8E84-426E-40DD-AFC4-6F175D3DCCD1}">
-              <a14:hiddenFill xmlns="" xmlns:a14="http://schemas.microsoft.com/office/drawing/2010/main">
+              <a14:hiddenFill xmlns:a14="http://schemas.microsoft.com/office/drawing/2010/main">
                 <a:solidFill>
                   <a:schemeClr val="accent1"/>
                 </a:solidFill>
               </a14:hiddenFill>
             </a:ext>
             <a:ext uri="{91240B29-F687-4F45-9708-019B960494DF}">
-              <a14:hiddenLine xmlns="" xmlns:a14="http://schemas.microsoft.com/office/drawing/2010/main" w="9525">
+              <a14:hiddenLine xmlns:a14="http://schemas.microsoft.com/office/drawing/2010/main" w="9525">
                 <a:solidFill>
                   <a:schemeClr val="tx1"/>
                 </a:solidFill>
@@ -705,7 +713,7 @@
               </a14:hiddenLine>
             </a:ext>
             <a:ext uri="{AF507438-7753-43E0-B8FC-AC1667EBCBE1}">
-              <a14:hiddenEffects xmlns="" xmlns:a14="http://schemas.microsoft.com/office/drawing/2010/main">
+              <a14:hiddenEffects xmlns:a14="http://schemas.microsoft.com/office/drawing/2010/main">
                 <a:effectLst>
                   <a:outerShdw dist="35921" dir="2700000" algn="ctr" rotWithShape="0">
                     <a:schemeClr val="bg2"/>
@@ -800,7 +808,7 @@
           </a:lstStyle>
           <a:p>
             <a:r>
-              <a:rPr lang="ru-RU" smtClean="0"/>
+              <a:rPr lang="ru-RU"/>
               <a:t>Образец заголовка</a:t>
             </a:r>
             <a:endParaRPr lang="en-US" dirty="0"/>
@@ -837,7 +845,7 @@
           <a:p>
             <a:pPr lvl="4"/>
             <a:r>
-              <a:rPr lang="en-US" dirty="0" smtClean="0"/>
+              <a:rPr lang="en-US" dirty="0"/>
               <a:t>Subtitle</a:t>
             </a:r>
           </a:p>
@@ -846,20 +854,13 @@
     </p:spTree>
     <p:extLst>
       <p:ext uri="{BB962C8B-B14F-4D97-AF65-F5344CB8AC3E}">
-        <p14:creationId xmlns="" xmlns:p14="http://schemas.microsoft.com/office/powerpoint/2010/main" val="2097366919"/>
+        <p14:creationId xmlns:p14="http://schemas.microsoft.com/office/powerpoint/2010/main" val="2097366919"/>
       </p:ext>
     </p:extLst>
   </p:cSld>
   <p:clrMapOvr>
     <a:masterClrMapping/>
   </p:clrMapOvr>
-  <p:timing>
-    <p:tnLst>
-      <p:par>
-        <p:cTn id="1" dur="indefinite" restart="never" nodeType="tmRoot"/>
-      </p:par>
-    </p:tnLst>
-  </p:timing>
 </p:sldLayout>
 </file>
 
@@ -918,10 +919,9 @@
           </a:lstStyle>
           <a:p>
             <a:r>
-              <a:rPr lang="en-US" dirty="0" smtClean="0"/>
+              <a:rPr lang="en-US" dirty="0"/>
               <a:t>title style</a:t>
             </a:r>
-            <a:endParaRPr lang="en-US" dirty="0"/>
           </a:p>
         </p:txBody>
       </p:sp>
@@ -1041,10 +1041,9 @@
           </a:lstStyle>
           <a:p>
             <a:r>
-              <a:rPr lang="en-US" dirty="0" smtClean="0"/>
+              <a:rPr lang="en-US" dirty="0"/>
               <a:t>Click to edit Master subtitle style</a:t>
             </a:r>
-            <a:endParaRPr lang="en-US" dirty="0"/>
           </a:p>
         </p:txBody>
       </p:sp>
@@ -1370,20 +1369,13 @@
     </p:spTree>
     <p:extLst>
       <p:ext uri="{BB962C8B-B14F-4D97-AF65-F5344CB8AC3E}">
-        <p14:creationId xmlns="" xmlns:p14="http://schemas.microsoft.com/office/powerpoint/2010/main" val="3537187278"/>
+        <p14:creationId xmlns:p14="http://schemas.microsoft.com/office/powerpoint/2010/main" val="3537187278"/>
       </p:ext>
     </p:extLst>
   </p:cSld>
   <p:clrMapOvr>
     <a:overrideClrMapping bg1="lt1" tx1="dk1" bg2="lt2" tx2="dk2" accent1="accent1" accent2="accent2" accent3="accent3" accent4="accent4" accent5="accent5" accent6="accent6" hlink="hlink" folHlink="folHlink"/>
   </p:clrMapOvr>
-  <p:timing>
-    <p:tnLst>
-      <p:par>
-        <p:cTn id="1" dur="indefinite" restart="never" nodeType="tmRoot"/>
-      </p:par>
-    </p:tnLst>
-  </p:timing>
 </p:sldLayout>
 </file>
 
@@ -1416,7 +1408,7 @@
           <a:blip r:embed="rId2" cstate="print">
             <a:extLst>
               <a:ext uri="{28A0092B-C50C-407E-A947-70E740481C1C}">
-                <a14:useLocalDpi xmlns="" xmlns:a14="http://schemas.microsoft.com/office/drawing/2010/main" val="0"/>
+                <a14:useLocalDpi xmlns:a14="http://schemas.microsoft.com/office/drawing/2010/main" val="0"/>
               </a:ext>
             </a:extLst>
           </a:blip>
@@ -1440,14 +1432,14 @@
           <a:effectLst/>
           <a:extLst>
             <a:ext uri="{909E8E84-426E-40DD-AFC4-6F175D3DCCD1}">
-              <a14:hiddenFill xmlns="" xmlns:a14="http://schemas.microsoft.com/office/drawing/2010/main">
+              <a14:hiddenFill xmlns:a14="http://schemas.microsoft.com/office/drawing/2010/main">
                 <a:solidFill>
                   <a:schemeClr val="accent1"/>
                 </a:solidFill>
               </a14:hiddenFill>
             </a:ext>
             <a:ext uri="{91240B29-F687-4F45-9708-019B960494DF}">
-              <a14:hiddenLine xmlns="" xmlns:a14="http://schemas.microsoft.com/office/drawing/2010/main" w="9525">
+              <a14:hiddenLine xmlns:a14="http://schemas.microsoft.com/office/drawing/2010/main" w="9525">
                 <a:solidFill>
                   <a:schemeClr val="tx1"/>
                 </a:solidFill>
@@ -1457,7 +1449,7 @@
               </a14:hiddenLine>
             </a:ext>
             <a:ext uri="{AF507438-7753-43E0-B8FC-AC1667EBCBE1}">
-              <a14:hiddenEffects xmlns="" xmlns:a14="http://schemas.microsoft.com/office/drawing/2010/main">
+              <a14:hiddenEffects xmlns:a14="http://schemas.microsoft.com/office/drawing/2010/main">
                 <a:effectLst>
                   <a:outerShdw dist="35921" dir="2700000" algn="ctr" rotWithShape="0">
                     <a:schemeClr val="bg2"/>
@@ -1552,10 +1544,9 @@
           </a:lstStyle>
           <a:p>
             <a:r>
-              <a:rPr lang="en-US" dirty="0" smtClean="0"/>
+              <a:rPr lang="en-US" dirty="0"/>
               <a:t>Click to edit Master title style</a:t>
             </a:r>
-            <a:endParaRPr lang="en-US" dirty="0"/>
           </a:p>
         </p:txBody>
       </p:sp>
@@ -1589,7 +1580,7 @@
           <a:p>
             <a:pPr lvl="4"/>
             <a:r>
-              <a:rPr lang="en-US" dirty="0" smtClean="0"/>
+              <a:rPr lang="en-US" dirty="0"/>
               <a:t>Subtitle</a:t>
             </a:r>
           </a:p>
@@ -1598,20 +1589,13 @@
     </p:spTree>
     <p:extLst>
       <p:ext uri="{BB962C8B-B14F-4D97-AF65-F5344CB8AC3E}">
-        <p14:creationId xmlns="" xmlns:p14="http://schemas.microsoft.com/office/powerpoint/2010/main" val="2097366919"/>
+        <p14:creationId xmlns:p14="http://schemas.microsoft.com/office/powerpoint/2010/main" val="2097366919"/>
       </p:ext>
     </p:extLst>
   </p:cSld>
   <p:clrMapOvr>
     <a:masterClrMapping/>
   </p:clrMapOvr>
-  <p:timing>
-    <p:tnLst>
-      <p:par>
-        <p:cTn id="1" dur="indefinite" restart="never" nodeType="tmRoot"/>
-      </p:par>
-    </p:tnLst>
-  </p:timing>
 </p:sldLayout>
 </file>
 
@@ -1663,7 +1647,7 @@
           <a:lstStyle/>
           <a:p>
             <a:r>
-              <a:rPr lang="ru-RU" smtClean="0"/>
+              <a:rPr lang="ru-RU"/>
               <a:t>Образец заголовка</a:t>
             </a:r>
             <a:endParaRPr lang="en-US"/>
@@ -1673,7 +1657,7 @@
     </p:spTree>
     <p:extLst>
       <p:ext uri="{BB962C8B-B14F-4D97-AF65-F5344CB8AC3E}">
-        <p14:creationId xmlns="" xmlns:p14="http://schemas.microsoft.com/office/powerpoint/2010/main" val="779007194"/>
+        <p14:creationId xmlns:p14="http://schemas.microsoft.com/office/powerpoint/2010/main" val="779007194"/>
       </p:ext>
     </p:extLst>
   </p:cSld>
@@ -1684,13 +1668,6 @@
     <p:sldLayoutId id="2147483665" r:id="rId3"/>
     <p:sldLayoutId id="2147483666" r:id="rId4"/>
   </p:sldLayoutIdLst>
-  <p:timing>
-    <p:tnLst>
-      <p:par>
-        <p:cTn id="1" dur="indefinite" restart="never" nodeType="tmRoot"/>
-      </p:par>
-    </p:tnLst>
-  </p:timing>
   <p:txStyles>
     <p:titleStyle>
       <a:lvl1pPr algn="ctr" defTabSz="914400" rtl="0" eaLnBrk="1" latinLnBrk="0" hangingPunct="1">
@@ -2034,7 +2011,7 @@
           <a:lstStyle/>
           <a:p>
             <a:r>
-              <a:rPr lang="ru-RU" sz="2700" dirty="0" smtClean="0">
+              <a:rPr lang="ru-RU" sz="2700" dirty="0">
                 <a:solidFill>
                   <a:schemeClr val="bg1"/>
                 </a:solidFill>
@@ -2233,7 +2210,7 @@
           </a:lstStyle>
           <a:p>
             <a:r>
-              <a:rPr lang="en-US" sz="2700" dirty="0" smtClean="0">
+              <a:rPr lang="en-US" sz="2700" dirty="0">
                 <a:solidFill>
                   <a:schemeClr val="tx1">
                     <a:lumMod val="90000"/>
@@ -2246,17 +2223,6 @@
               </a:rPr>
               <a:t>The JavaScript Programming Language</a:t>
             </a:r>
-            <a:endParaRPr lang="en-US" sz="2700" dirty="0">
-              <a:solidFill>
-                <a:schemeClr val="tx1">
-                  <a:lumMod val="90000"/>
-                  <a:lumOff val="10000"/>
-                </a:schemeClr>
-              </a:solidFill>
-              <a:latin typeface="Calibri" pitchFamily="34" charset="0"/>
-              <a:ea typeface="Roboto Light" panose="02000000000000000000" pitchFamily="2" charset="0"/>
-              <a:cs typeface="Roboto Light" panose="02000000000000000000" pitchFamily="2" charset="0"/>
-            </a:endParaRPr>
           </a:p>
         </p:txBody>
       </p:sp>
@@ -2272,7 +2238,7 @@
           <a:blip r:embed="rId2" cstate="print">
             <a:extLst>
               <a:ext uri="{28A0092B-C50C-407E-A947-70E740481C1C}">
-                <a14:useLocalDpi xmlns="" xmlns:a14="http://schemas.microsoft.com/office/drawing/2010/main" val="0"/>
+                <a14:useLocalDpi xmlns:a14="http://schemas.microsoft.com/office/drawing/2010/main" val="0"/>
               </a:ext>
             </a:extLst>
           </a:blip>
@@ -2292,7 +2258,7 @@
           <a:noFill/>
           <a:extLst>
             <a:ext uri="{909E8E84-426E-40DD-AFC4-6F175D3DCCD1}">
-              <a14:hiddenFill xmlns="" xmlns:a14="http://schemas.microsoft.com/office/drawing/2010/main">
+              <a14:hiddenFill xmlns:a14="http://schemas.microsoft.com/office/drawing/2010/main">
                 <a:solidFill>
                   <a:srgbClr val="FFFFFF"/>
                 </a:solidFill>
@@ -2324,7 +2290,7 @@
           <a:lstStyle/>
           <a:p>
             <a:r>
-              <a:rPr lang="ru-RU" sz="4400" dirty="0" smtClean="0">
+              <a:rPr lang="ru-RU" sz="4400" dirty="0">
                 <a:solidFill>
                   <a:srgbClr val="7564BC"/>
                 </a:solidFill>
@@ -2343,20 +2309,13 @@
     </p:spTree>
     <p:extLst>
       <p:ext uri="{BB962C8B-B14F-4D97-AF65-F5344CB8AC3E}">
-        <p14:creationId xmlns="" xmlns:p14="http://schemas.microsoft.com/office/powerpoint/2010/main" val="3436223543"/>
+        <p14:creationId xmlns:p14="http://schemas.microsoft.com/office/powerpoint/2010/main" val="3436223543"/>
       </p:ext>
     </p:extLst>
   </p:cSld>
   <p:clrMapOvr>
     <a:masterClrMapping/>
   </p:clrMapOvr>
-  <p:timing>
-    <p:tnLst>
-      <p:par>
-        <p:cTn id="1" dur="indefinite" restart="never" nodeType="tmRoot"/>
-      </p:par>
-    </p:tnLst>
-  </p:timing>
 </p:sld>
 </file>
 
@@ -2399,32 +2358,29 @@
           <a:lstStyle/>
           <a:p>
             <a:r>
-              <a:rPr lang="en-US" sz="2800" dirty="0" err="1" smtClean="0">
+              <a:rPr lang="en-US" sz="2800" dirty="0" err="1">
                 <a:latin typeface="Calibri" pitchFamily="34" charset="0"/>
               </a:rPr>
               <a:t>Явное</a:t>
             </a:r>
             <a:r>
-              <a:rPr lang="en-US" sz="2800" dirty="0" smtClean="0">
+              <a:rPr lang="en-US" sz="2800" dirty="0">
                 <a:latin typeface="Calibri" pitchFamily="34" charset="0"/>
               </a:rPr>
               <a:t> </a:t>
             </a:r>
             <a:r>
-              <a:rPr lang="en-US" sz="2800" dirty="0" err="1" smtClean="0">
+              <a:rPr lang="en-US" sz="2800" dirty="0" err="1">
                 <a:latin typeface="Calibri" pitchFamily="34" charset="0"/>
               </a:rPr>
               <a:t>указание</a:t>
             </a:r>
             <a:r>
-              <a:rPr lang="en-US" sz="2800" dirty="0" smtClean="0">
+              <a:rPr lang="en-US" sz="2800" dirty="0">
                 <a:latin typeface="Calibri" pitchFamily="34" charset="0"/>
               </a:rPr>
               <a:t> this: "call", "apply"</a:t>
             </a:r>
-            <a:endParaRPr lang="en-US" sz="2800" dirty="0">
-              <a:latin typeface="Calibri" pitchFamily="34" charset="0"/>
-            </a:endParaRPr>
           </a:p>
         </p:txBody>
       </p:sp>
@@ -2541,26 +2497,23 @@
           <a:lstStyle/>
           <a:p>
             <a:r>
-              <a:rPr lang="en-US" b="1" dirty="0" smtClean="0">
+              <a:rPr lang="en-US" b="1" dirty="0">
                 <a:latin typeface="Calibri" pitchFamily="34" charset="0"/>
               </a:rPr>
               <a:t>               </a:t>
             </a:r>
             <a:r>
-              <a:rPr lang="ru-RU" b="1" dirty="0" smtClean="0">
+              <a:rPr lang="ru-RU" b="1" dirty="0">
                 <a:latin typeface="Calibri" pitchFamily="34" charset="0"/>
               </a:rPr>
               <a:t>Метод </a:t>
             </a:r>
             <a:r>
-              <a:rPr lang="en-US" b="1" dirty="0" smtClean="0">
+              <a:rPr lang="en-US" b="1" dirty="0">
                 <a:latin typeface="Calibri" pitchFamily="34" charset="0"/>
               </a:rPr>
               <a:t>call</a:t>
             </a:r>
-            <a:endParaRPr lang="en-US" b="1" dirty="0">
-              <a:latin typeface="Calibri" pitchFamily="34" charset="0"/>
-            </a:endParaRPr>
           </a:p>
         </p:txBody>
       </p:sp>
@@ -2587,26 +2540,23 @@
           <a:lstStyle/>
           <a:p>
             <a:r>
-              <a:rPr lang="en-US" b="1" dirty="0" smtClean="0">
+              <a:rPr lang="en-US" b="1" dirty="0">
                 <a:latin typeface="Calibri" pitchFamily="34" charset="0"/>
               </a:rPr>
               <a:t>	</a:t>
             </a:r>
             <a:r>
-              <a:rPr lang="ru-RU" b="1" dirty="0" smtClean="0">
+              <a:rPr lang="ru-RU" b="1" dirty="0">
                 <a:latin typeface="Calibri" pitchFamily="34" charset="0"/>
               </a:rPr>
               <a:t>Метод </a:t>
             </a:r>
             <a:r>
-              <a:rPr lang="en-US" b="1" dirty="0" smtClean="0">
+              <a:rPr lang="en-US" b="1" dirty="0">
                 <a:latin typeface="Calibri" pitchFamily="34" charset="0"/>
               </a:rPr>
               <a:t>apply</a:t>
             </a:r>
-            <a:endParaRPr lang="en-US" b="1" dirty="0">
-              <a:latin typeface="Calibri" pitchFamily="34" charset="0"/>
-            </a:endParaRPr>
           </a:p>
         </p:txBody>
       </p:sp>
@@ -2646,54 +2596,52 @@
           <a:lstStyle/>
           <a:p>
             <a:r>
-              <a:rPr lang="en-US" dirty="0" err="1" smtClean="0">
+              <a:rPr lang="en-US" dirty="0" err="1">
                 <a:latin typeface="Calibri" pitchFamily="34" charset="0"/>
               </a:rPr>
               <a:t>func.</a:t>
             </a:r>
             <a:r>
-              <a:rPr lang="en-US" dirty="0" err="1" smtClean="0">
-                <a:solidFill>
-                  <a:schemeClr val="accent1">
-                    <a:lumMod val="75000"/>
-                  </a:schemeClr>
+              <a:rPr lang="en-US" dirty="0" err="1">
+                <a:solidFill>
+                  <a:srgbClr val="0000FF"/>
                 </a:solidFill>
                 <a:latin typeface="Calibri" pitchFamily="34" charset="0"/>
               </a:rPr>
               <a:t>call</a:t>
             </a:r>
             <a:r>
-              <a:rPr lang="en-US" dirty="0" smtClean="0">
+              <a:rPr lang="en-US" dirty="0">
                 <a:latin typeface="Calibri" pitchFamily="34" charset="0"/>
               </a:rPr>
               <a:t>(context, </a:t>
             </a:r>
             <a:r>
-              <a:rPr lang="en-US" dirty="0" err="1" smtClean="0">
+              <a:rPr lang="en-US" dirty="0" err="1">
                 <a:latin typeface="Calibri" pitchFamily="34" charset="0"/>
               </a:rPr>
               <a:t>arg1</a:t>
             </a:r>
             <a:r>
-              <a:rPr lang="en-US" dirty="0" smtClean="0">
+              <a:rPr lang="en-US" dirty="0">
                 <a:latin typeface="Calibri" pitchFamily="34" charset="0"/>
               </a:rPr>
               <a:t>, </a:t>
             </a:r>
             <a:r>
-              <a:rPr lang="en-US" dirty="0" err="1" smtClean="0">
+              <a:rPr lang="en-US" dirty="0" err="1">
                 <a:latin typeface="Calibri" pitchFamily="34" charset="0"/>
               </a:rPr>
               <a:t>arg2</a:t>
             </a:r>
             <a:r>
-              <a:rPr lang="en-US" dirty="0" smtClean="0">
+              <a:rPr lang="en-US" dirty="0">
                 <a:latin typeface="Calibri" pitchFamily="34" charset="0"/>
               </a:rPr>
               <a:t>, ...)</a:t>
             </a:r>
             <a:r>
-              <a:rPr lang="ru-RU" dirty="0" smtClean="0">
+              <a:rPr lang="ru-RU" dirty="0">
                 <a:latin typeface="Calibri" pitchFamily="34" charset="0"/>
               </a:rPr>
               <a:t> </a:t>
@@ -2768,13 +2716,22 @@
           <a:lstStyle/>
           <a:p>
             <a:r>
-              <a:rPr lang="en-US" dirty="0" err="1" smtClean="0">
+              <a:rPr lang="en-US" dirty="0" err="1">
                 <a:latin typeface="Calibri" pitchFamily="34" charset="0"/>
               </a:rPr>
               <a:t>func.</a:t>
             </a:r>
             <a:r>
-              <a:rPr lang="en-US" dirty="0" err="1" smtClean="0">
+              <a:rPr lang="en-US" dirty="0" err="1">
+                <a:solidFill>
+                  <a:srgbClr val="0000FF"/>
+                </a:solidFill>
+                <a:latin typeface="Calibri" pitchFamily="34" charset="0"/>
+              </a:rPr>
+              <a:t>apply</a:t>
+            </a:r>
+            <a:r>
+              <a:rPr lang="en-US" dirty="0">
                 <a:solidFill>
                   <a:schemeClr val="accent1">
                     <a:lumMod val="75000"/>
@@ -2782,52 +2739,38 @@
                 </a:solidFill>
                 <a:latin typeface="Calibri" pitchFamily="34" charset="0"/>
               </a:rPr>
-              <a:t>apply</a:t>
-            </a:r>
-            <a:r>
-              <a:rPr lang="en-US" dirty="0" smtClean="0">
-                <a:solidFill>
-                  <a:schemeClr val="accent1">
-                    <a:lumMod val="75000"/>
-                  </a:schemeClr>
-                </a:solidFill>
-                <a:latin typeface="Calibri" pitchFamily="34" charset="0"/>
-              </a:rPr>
               <a:t>(</a:t>
             </a:r>
             <a:r>
-              <a:rPr lang="en-US" dirty="0" smtClean="0">
+              <a:rPr lang="en-US" dirty="0">
                 <a:latin typeface="Calibri" pitchFamily="34" charset="0"/>
               </a:rPr>
               <a:t>context, [</a:t>
             </a:r>
             <a:r>
-              <a:rPr lang="en-US" dirty="0" err="1" smtClean="0">
+              <a:rPr lang="en-US" dirty="0" err="1">
                 <a:latin typeface="Calibri" pitchFamily="34" charset="0"/>
               </a:rPr>
               <a:t>arg1</a:t>
             </a:r>
             <a:r>
-              <a:rPr lang="en-US" dirty="0" smtClean="0">
+              <a:rPr lang="en-US" dirty="0">
                 <a:latin typeface="Calibri" pitchFamily="34" charset="0"/>
               </a:rPr>
               <a:t>, </a:t>
             </a:r>
             <a:r>
-              <a:rPr lang="en-US" dirty="0" err="1" smtClean="0">
+              <a:rPr lang="en-US" dirty="0" err="1">
                 <a:latin typeface="Calibri" pitchFamily="34" charset="0"/>
               </a:rPr>
               <a:t>arg2</a:t>
             </a:r>
             <a:r>
-              <a:rPr lang="en-US" dirty="0" smtClean="0">
+              <a:rPr lang="en-US" dirty="0">
                 <a:latin typeface="Calibri" pitchFamily="34" charset="0"/>
               </a:rPr>
               <a:t>, …])</a:t>
             </a:r>
-            <a:endParaRPr lang="en-US" dirty="0">
-              <a:latin typeface="Calibri" pitchFamily="34" charset="0"/>
-            </a:endParaRPr>
           </a:p>
         </p:txBody>
       </p:sp>
@@ -2867,8 +2810,8 @@
         </p:nvSpPr>
         <p:spPr>
           <a:xfrm>
-            <a:off x="395536" y="3356992"/>
-            <a:ext cx="8352928" cy="1754326"/>
+            <a:off x="457200" y="3272062"/>
+            <a:ext cx="8352928" cy="369332"/>
           </a:xfrm>
           <a:prstGeom prst="rect">
             <a:avLst/>
@@ -2881,44 +2824,19 @@
           </a:bodyPr>
           <a:lstStyle/>
           <a:p>
-            <a:endParaRPr lang="en-US" dirty="0" smtClean="0">
-              <a:latin typeface="Calibri" pitchFamily="34" charset="0"/>
-            </a:endParaRPr>
-          </a:p>
-          <a:p>
             <a:pPr algn="ctr"/>
             <a:r>
-              <a:rPr lang="ru-RU" dirty="0" smtClean="0">
+              <a:rPr lang="ru-RU" dirty="0">
                 <a:latin typeface="Calibri" pitchFamily="34" charset="0"/>
               </a:rPr>
               <a:t>Например</a:t>
             </a:r>
             <a:r>
-              <a:rPr lang="en-US" dirty="0" smtClean="0">
-                <a:latin typeface="Calibri" pitchFamily="34" charset="0"/>
-              </a:rPr>
-              <a:t>: </a:t>
-            </a:r>
-          </a:p>
-          <a:p>
-            <a:endParaRPr lang="en-US" dirty="0" smtClean="0">
-              <a:latin typeface="Calibri" pitchFamily="34" charset="0"/>
-            </a:endParaRPr>
-          </a:p>
-          <a:p>
-            <a:endParaRPr lang="en-US" dirty="0" smtClean="0">
-              <a:latin typeface="Calibri" pitchFamily="34" charset="0"/>
-            </a:endParaRPr>
-          </a:p>
-          <a:p>
-            <a:endParaRPr lang="en-US" dirty="0" smtClean="0">
-              <a:latin typeface="Calibri" pitchFamily="34" charset="0"/>
-            </a:endParaRPr>
-          </a:p>
-          <a:p>
-            <a:endParaRPr lang="en-US" dirty="0">
-              <a:latin typeface="Calibri" pitchFamily="34" charset="0"/>
-            </a:endParaRPr>
+              <a:rPr lang="en-US" dirty="0">
+                <a:latin typeface="Calibri" pitchFamily="34" charset="0"/>
+              </a:rPr>
+              <a:t>:</a:t>
+            </a:r>
           </a:p>
         </p:txBody>
       </p:sp>
@@ -2930,8 +2848,8 @@
         </p:nvSpPr>
         <p:spPr>
           <a:xfrm>
-            <a:off x="1331640" y="4365104"/>
-            <a:ext cx="7056784" cy="1754326"/>
+            <a:off x="1388622" y="4095655"/>
+            <a:ext cx="7056784" cy="2031325"/>
           </a:xfrm>
           <a:prstGeom prst="rect">
             <a:avLst/>
@@ -2958,7 +2876,79 @@
           <a:lstStyle/>
           <a:p>
             <a:r>
-              <a:rPr lang="en-US" dirty="0" smtClean="0">
+              <a:rPr lang="en-US" dirty="0">
+                <a:solidFill>
+                  <a:srgbClr val="0000FF"/>
+                </a:solidFill>
+                <a:latin typeface="Calibri" pitchFamily="34" charset="0"/>
+              </a:rPr>
+              <a:t>function</a:t>
+            </a:r>
+            <a:r>
+              <a:rPr lang="en-US" dirty="0">
+                <a:latin typeface="Calibri" pitchFamily="34" charset="0"/>
+              </a:rPr>
+              <a:t> </a:t>
+            </a:r>
+            <a:r>
+              <a:rPr lang="en-US" dirty="0" err="1">
+                <a:latin typeface="Calibri" pitchFamily="34" charset="0"/>
+              </a:rPr>
+              <a:t>showFullName</a:t>
+            </a:r>
+            <a:r>
+              <a:rPr lang="en-US" dirty="0">
+                <a:latin typeface="Calibri" pitchFamily="34" charset="0"/>
+              </a:rPr>
+              <a:t>() { alert( </a:t>
+            </a:r>
+            <a:r>
+              <a:rPr lang="en-US" dirty="0" err="1">
+                <a:latin typeface="Calibri" pitchFamily="34" charset="0"/>
+              </a:rPr>
+              <a:t>this.firstName</a:t>
+            </a:r>
+            <a:r>
+              <a:rPr lang="en-US" dirty="0">
+                <a:latin typeface="Calibri" pitchFamily="34" charset="0"/>
+              </a:rPr>
+              <a:t> + " " + </a:t>
+            </a:r>
+            <a:r>
+              <a:rPr lang="en-US" dirty="0" err="1">
+                <a:latin typeface="Calibri" pitchFamily="34" charset="0"/>
+              </a:rPr>
+              <a:t>this.lastName</a:t>
+            </a:r>
+            <a:r>
+              <a:rPr lang="en-US" dirty="0">
+                <a:latin typeface="Calibri" pitchFamily="34" charset="0"/>
+              </a:rPr>
+              <a:t> ); } </a:t>
+            </a:r>
+          </a:p>
+          <a:p>
+            <a:endParaRPr lang="en-US" dirty="0">
+              <a:solidFill>
+                <a:schemeClr val="accent1">
+                  <a:lumMod val="75000"/>
+                </a:schemeClr>
+              </a:solidFill>
+              <a:latin typeface="Calibri" pitchFamily="34" charset="0"/>
+            </a:endParaRPr>
+          </a:p>
+          <a:p>
+            <a:r>
+              <a:rPr lang="en-US" dirty="0" err="1">
+                <a:solidFill>
+                  <a:srgbClr val="0000FF"/>
+                </a:solidFill>
+                <a:latin typeface="Calibri" pitchFamily="34" charset="0"/>
+              </a:rPr>
+              <a:t>var</a:t>
+            </a:r>
+            <a:r>
+              <a:rPr lang="en-US" dirty="0">
                 <a:solidFill>
                   <a:schemeClr val="accent1">
                     <a:lumMod val="75000"/>
@@ -2966,137 +2956,71 @@
                 </a:solidFill>
                 <a:latin typeface="Calibri" pitchFamily="34" charset="0"/>
               </a:rPr>
-              <a:t>function</a:t>
-            </a:r>
-            <a:r>
-              <a:rPr lang="en-US" dirty="0" smtClean="0">
-                <a:latin typeface="Calibri" pitchFamily="34" charset="0"/>
-              </a:rPr>
               <a:t> </a:t>
             </a:r>
             <a:r>
-              <a:rPr lang="en-US" dirty="0" err="1" smtClean="0">
-                <a:latin typeface="Calibri" pitchFamily="34" charset="0"/>
-              </a:rPr>
-              <a:t>showFullName</a:t>
-            </a:r>
-            <a:r>
-              <a:rPr lang="en-US" dirty="0" smtClean="0">
-                <a:latin typeface="Calibri" pitchFamily="34" charset="0"/>
-              </a:rPr>
-              <a:t>() { alert( </a:t>
-            </a:r>
-            <a:r>
-              <a:rPr lang="en-US" dirty="0" err="1" smtClean="0">
-                <a:latin typeface="Calibri" pitchFamily="34" charset="0"/>
-              </a:rPr>
-              <a:t>this.firstName</a:t>
-            </a:r>
-            <a:r>
-              <a:rPr lang="en-US" dirty="0" smtClean="0">
-                <a:latin typeface="Calibri" pitchFamily="34" charset="0"/>
-              </a:rPr>
-              <a:t> + " " + </a:t>
-            </a:r>
-            <a:r>
-              <a:rPr lang="en-US" dirty="0" err="1" smtClean="0">
-                <a:latin typeface="Calibri" pitchFamily="34" charset="0"/>
-              </a:rPr>
-              <a:t>this.lastName</a:t>
-            </a:r>
-            <a:r>
-              <a:rPr lang="en-US" dirty="0" smtClean="0">
-                <a:latin typeface="Calibri" pitchFamily="34" charset="0"/>
-              </a:rPr>
-              <a:t> ); } </a:t>
-            </a:r>
-          </a:p>
-          <a:p>
-            <a:r>
-              <a:rPr lang="en-US" dirty="0" err="1" smtClean="0">
-                <a:solidFill>
-                  <a:schemeClr val="accent1">
-                    <a:lumMod val="75000"/>
-                  </a:schemeClr>
-                </a:solidFill>
-                <a:latin typeface="Calibri" pitchFamily="34" charset="0"/>
-              </a:rPr>
-              <a:t>var</a:t>
-            </a:r>
-            <a:r>
-              <a:rPr lang="en-US" dirty="0" smtClean="0">
-                <a:solidFill>
-                  <a:schemeClr val="accent1">
-                    <a:lumMod val="75000"/>
-                  </a:schemeClr>
-                </a:solidFill>
+              <a:rPr lang="en-US" dirty="0">
+                <a:latin typeface="Calibri" pitchFamily="34" charset="0"/>
+              </a:rPr>
+              <a:t>user = { </a:t>
+            </a:r>
+            <a:r>
+              <a:rPr lang="en-US" dirty="0" err="1">
+                <a:latin typeface="Calibri" pitchFamily="34" charset="0"/>
+              </a:rPr>
+              <a:t>firstName</a:t>
+            </a:r>
+            <a:r>
+              <a:rPr lang="en-US" dirty="0">
+                <a:latin typeface="Calibri" pitchFamily="34" charset="0"/>
+              </a:rPr>
+              <a:t>: "</a:t>
+            </a:r>
+            <a:r>
+              <a:rPr lang="uk-UA" dirty="0" err="1">
+                <a:latin typeface="Calibri" pitchFamily="34" charset="0"/>
+              </a:rPr>
+              <a:t>Василий</a:t>
+            </a:r>
+            <a:r>
+              <a:rPr lang="uk-UA" dirty="0">
+                <a:latin typeface="Calibri" pitchFamily="34" charset="0"/>
+              </a:rPr>
+              <a:t>", </a:t>
+            </a:r>
+            <a:r>
+              <a:rPr lang="en-US" dirty="0" err="1">
+                <a:latin typeface="Calibri" pitchFamily="34" charset="0"/>
+              </a:rPr>
+              <a:t>lastName</a:t>
+            </a:r>
+            <a:r>
+              <a:rPr lang="en-US" dirty="0">
+                <a:latin typeface="Calibri" pitchFamily="34" charset="0"/>
+              </a:rPr>
+              <a:t>: "</a:t>
+            </a:r>
+            <a:r>
+              <a:rPr lang="uk-UA" dirty="0">
+                <a:latin typeface="Calibri" pitchFamily="34" charset="0"/>
+              </a:rPr>
+              <a:t>Петров" }; </a:t>
+            </a:r>
+            <a:r>
+              <a:rPr lang="en-US" dirty="0">
                 <a:latin typeface="Calibri" pitchFamily="34" charset="0"/>
               </a:rPr>
               <a:t> </a:t>
             </a:r>
-            <a:r>
-              <a:rPr lang="en-US" dirty="0" smtClean="0">
-                <a:latin typeface="Calibri" pitchFamily="34" charset="0"/>
-              </a:rPr>
-              <a:t>user = { </a:t>
-            </a:r>
-            <a:r>
-              <a:rPr lang="en-US" dirty="0" err="1" smtClean="0">
-                <a:latin typeface="Calibri" pitchFamily="34" charset="0"/>
-              </a:rPr>
-              <a:t>firstName</a:t>
-            </a:r>
-            <a:r>
-              <a:rPr lang="en-US" dirty="0" smtClean="0">
-                <a:latin typeface="Calibri" pitchFamily="34" charset="0"/>
-              </a:rPr>
-              <a:t>: "</a:t>
-            </a:r>
-            <a:r>
-              <a:rPr lang="uk-UA" dirty="0" err="1" smtClean="0">
-                <a:latin typeface="Calibri" pitchFamily="34" charset="0"/>
-              </a:rPr>
-              <a:t>Василий</a:t>
-            </a:r>
-            <a:r>
-              <a:rPr lang="uk-UA" dirty="0" smtClean="0">
-                <a:latin typeface="Calibri" pitchFamily="34" charset="0"/>
-              </a:rPr>
-              <a:t>", </a:t>
-            </a:r>
-            <a:r>
-              <a:rPr lang="en-US" dirty="0" err="1" smtClean="0">
-                <a:latin typeface="Calibri" pitchFamily="34" charset="0"/>
-              </a:rPr>
-              <a:t>lastName</a:t>
-            </a:r>
-            <a:r>
-              <a:rPr lang="en-US" dirty="0" smtClean="0">
-                <a:latin typeface="Calibri" pitchFamily="34" charset="0"/>
-              </a:rPr>
-              <a:t>: "</a:t>
-            </a:r>
-            <a:r>
-              <a:rPr lang="uk-UA" dirty="0" smtClean="0">
-                <a:latin typeface="Calibri" pitchFamily="34" charset="0"/>
-              </a:rPr>
-              <a:t>Петров" }; </a:t>
-            </a:r>
-            <a:r>
-              <a:rPr lang="en-US" dirty="0" smtClean="0">
-                <a:latin typeface="Calibri" pitchFamily="34" charset="0"/>
-              </a:rPr>
-              <a:t> </a:t>
-            </a:r>
-          </a:p>
-          <a:p>
-            <a:endParaRPr lang="en-US" dirty="0" smtClean="0">
+          </a:p>
+          <a:p>
+            <a:endParaRPr lang="en-US" dirty="0">
               <a:latin typeface="Calibri" pitchFamily="34" charset="0"/>
             </a:endParaRPr>
           </a:p>
           <a:p>
             <a:r>
-              <a:rPr lang="uk-UA" dirty="0" smtClean="0">
+              <a:rPr lang="uk-UA" dirty="0">
                 <a:solidFill>
                   <a:schemeClr val="bg2">
                     <a:lumMod val="50000"/>
@@ -3107,7 +3031,7 @@
               <a:t>// </a:t>
             </a:r>
             <a:r>
-              <a:rPr lang="uk-UA" dirty="0" err="1" smtClean="0">
+              <a:rPr lang="uk-UA" dirty="0" err="1">
                 <a:solidFill>
                   <a:schemeClr val="bg2">
                     <a:lumMod val="50000"/>
@@ -3118,7 +3042,7 @@
               <a:t>функция</a:t>
             </a:r>
             <a:r>
-              <a:rPr lang="uk-UA" dirty="0" smtClean="0">
+              <a:rPr lang="uk-UA" dirty="0">
                 <a:solidFill>
                   <a:schemeClr val="bg2">
                     <a:lumMod val="50000"/>
@@ -3129,7 +3053,7 @@
               <a:t> </a:t>
             </a:r>
             <a:r>
-              <a:rPr lang="uk-UA" dirty="0" err="1" smtClean="0">
+              <a:rPr lang="uk-UA" dirty="0" err="1">
                 <a:solidFill>
                   <a:schemeClr val="bg2">
                     <a:lumMod val="50000"/>
@@ -3140,7 +3064,7 @@
               <a:t>вызовется</a:t>
             </a:r>
             <a:r>
-              <a:rPr lang="uk-UA" dirty="0" smtClean="0">
+              <a:rPr lang="uk-UA" dirty="0">
                 <a:solidFill>
                   <a:schemeClr val="bg2">
                     <a:lumMod val="50000"/>
@@ -3151,7 +3075,7 @@
               <a:t> с </a:t>
             </a:r>
             <a:r>
-              <a:rPr lang="en-US" dirty="0" smtClean="0">
+              <a:rPr lang="en-US" dirty="0">
                 <a:solidFill>
                   <a:schemeClr val="bg2">
                     <a:lumMod val="50000"/>
@@ -3164,30 +3088,28 @@
           </a:p>
           <a:p>
             <a:r>
-              <a:rPr lang="en-US" dirty="0" err="1" smtClean="0">
+              <a:rPr lang="en-US" dirty="0" err="1">
                 <a:latin typeface="Calibri" pitchFamily="34" charset="0"/>
               </a:rPr>
               <a:t>showFullName.</a:t>
             </a:r>
             <a:r>
-              <a:rPr lang="en-US" dirty="0" err="1" smtClean="0">
-                <a:solidFill>
-                  <a:schemeClr val="accent1">
-                    <a:lumMod val="75000"/>
-                  </a:schemeClr>
+              <a:rPr lang="en-US" dirty="0" err="1">
+                <a:solidFill>
+                  <a:srgbClr val="0000FF"/>
                 </a:solidFill>
                 <a:latin typeface="Calibri" pitchFamily="34" charset="0"/>
               </a:rPr>
               <a:t>call</a:t>
             </a:r>
             <a:r>
-              <a:rPr lang="en-US" dirty="0" smtClean="0">
+              <a:rPr lang="en-US" dirty="0">
                 <a:latin typeface="Calibri" pitchFamily="34" charset="0"/>
               </a:rPr>
               <a:t>(user) </a:t>
             </a:r>
             <a:r>
-              <a:rPr lang="en-US" dirty="0" smtClean="0">
+              <a:rPr lang="en-US" dirty="0">
                 <a:solidFill>
                   <a:schemeClr val="bg2">
                     <a:lumMod val="50000"/>
@@ -3198,7 +3120,7 @@
               <a:t>// "</a:t>
             </a:r>
             <a:r>
-              <a:rPr lang="uk-UA" dirty="0" err="1" smtClean="0">
+              <a:rPr lang="uk-UA" dirty="0" err="1">
                 <a:solidFill>
                   <a:schemeClr val="bg2">
                     <a:lumMod val="50000"/>
@@ -3209,7 +3131,7 @@
               <a:t>Василий</a:t>
             </a:r>
             <a:r>
-              <a:rPr lang="uk-UA" dirty="0" smtClean="0">
+              <a:rPr lang="uk-UA" dirty="0">
                 <a:solidFill>
                   <a:schemeClr val="bg2">
                     <a:lumMod val="50000"/>
@@ -3219,7 +3141,7 @@
               </a:rPr>
               <a:t> Петров"</a:t>
             </a:r>
-            <a:endParaRPr lang="en-US" dirty="0" smtClean="0">
+            <a:endParaRPr lang="en-US" dirty="0">
               <a:solidFill>
                 <a:schemeClr val="bg2">
                   <a:lumMod val="50000"/>
@@ -3238,20 +3160,13 @@
     </p:spTree>
     <p:extLst>
       <p:ext uri="{BB962C8B-B14F-4D97-AF65-F5344CB8AC3E}">
-        <p14:creationId xmlns="" xmlns:p14="http://schemas.microsoft.com/office/powerpoint/2010/main" val="9290874"/>
+        <p14:creationId xmlns:p14="http://schemas.microsoft.com/office/powerpoint/2010/main" val="9290874"/>
       </p:ext>
     </p:extLst>
   </p:cSld>
   <p:clrMapOvr>
     <a:masterClrMapping/>
   </p:clrMapOvr>
-  <p:timing>
-    <p:tnLst>
-      <p:par>
-        <p:cTn id="1" dur="indefinite" restart="never" nodeType="tmRoot"/>
-      </p:par>
-    </p:tnLst>
-  </p:timing>
 </p:sld>
 </file>
 
@@ -3293,20 +3208,17 @@
           <a:lstStyle/>
           <a:p>
             <a:r>
-              <a:rPr lang="ru-RU" sz="2800" dirty="0" smtClean="0">
+              <a:rPr lang="ru-RU" sz="2800" dirty="0">
                 <a:latin typeface="Calibri" pitchFamily="34" charset="0"/>
               </a:rPr>
               <a:t>Метод </a:t>
             </a:r>
             <a:r>
-              <a:rPr lang="en-US" sz="2800" dirty="0" smtClean="0">
+              <a:rPr lang="en-US" sz="2800" dirty="0">
                 <a:latin typeface="Calibri" pitchFamily="34" charset="0"/>
               </a:rPr>
               <a:t>bind</a:t>
             </a:r>
-            <a:endParaRPr lang="en-US" sz="2800" dirty="0">
-              <a:latin typeface="Calibri" pitchFamily="34" charset="0"/>
-            </a:endParaRPr>
           </a:p>
         </p:txBody>
       </p:sp>
@@ -3346,26 +3258,56 @@
           <a:lstStyle/>
           <a:p>
             <a:r>
-              <a:rPr lang="ru-RU" dirty="0" smtClean="0">
+              <a:rPr lang="ru-RU" dirty="0">
                 <a:latin typeface="Calibri" pitchFamily="34" charset="0"/>
               </a:rPr>
               <a:t>Синтаксис</a:t>
             </a:r>
             <a:r>
-              <a:rPr lang="en-US" dirty="0" smtClean="0">
+              <a:rPr lang="en-US" dirty="0">
                 <a:latin typeface="Calibri" pitchFamily="34" charset="0"/>
               </a:rPr>
               <a:t>: </a:t>
             </a:r>
           </a:p>
           <a:p>
-            <a:endParaRPr lang="en-US" dirty="0" smtClean="0">
+            <a:endParaRPr lang="en-US" dirty="0">
               <a:latin typeface="Calibri" pitchFamily="34" charset="0"/>
             </a:endParaRPr>
           </a:p>
           <a:p>
             <a:r>
-              <a:rPr lang="en-US" dirty="0" err="1" smtClean="0">
+              <a:rPr lang="en-US" dirty="0" err="1">
+                <a:solidFill>
+                  <a:srgbClr val="0000FF"/>
+                </a:solidFill>
+                <a:latin typeface="Calibri" pitchFamily="34" charset="0"/>
+              </a:rPr>
+              <a:t>var</a:t>
+            </a:r>
+            <a:r>
+              <a:rPr lang="en-US" dirty="0">
+                <a:latin typeface="Calibri" pitchFamily="34" charset="0"/>
+              </a:rPr>
+              <a:t> wrapper = </a:t>
+            </a:r>
+            <a:r>
+              <a:rPr lang="en-US" dirty="0" err="1">
+                <a:latin typeface="Calibri" pitchFamily="34" charset="0"/>
+              </a:rPr>
+              <a:t>func.</a:t>
+            </a:r>
+            <a:r>
+              <a:rPr lang="en-US" dirty="0" err="1">
+                <a:solidFill>
+                  <a:srgbClr val="0000FF"/>
+                </a:solidFill>
+                <a:latin typeface="Calibri" pitchFamily="34" charset="0"/>
+              </a:rPr>
+              <a:t>bind</a:t>
+            </a:r>
+            <a:r>
+              <a:rPr lang="en-US" dirty="0">
                 <a:solidFill>
                   <a:schemeClr val="accent1">
                     <a:lumMod val="75000"/>
@@ -3373,75 +3315,38 @@
                 </a:solidFill>
                 <a:latin typeface="Calibri" pitchFamily="34" charset="0"/>
               </a:rPr>
-              <a:t>var</a:t>
-            </a:r>
-            <a:r>
-              <a:rPr lang="en-US" dirty="0" smtClean="0">
-                <a:latin typeface="Calibri" pitchFamily="34" charset="0"/>
-              </a:rPr>
-              <a:t> wrapper = </a:t>
-            </a:r>
-            <a:r>
-              <a:rPr lang="en-US" dirty="0" err="1" smtClean="0">
-                <a:latin typeface="Calibri" pitchFamily="34" charset="0"/>
-              </a:rPr>
-              <a:t>func.</a:t>
-            </a:r>
-            <a:r>
-              <a:rPr lang="en-US" dirty="0" err="1" smtClean="0">
-                <a:solidFill>
-                  <a:schemeClr val="accent1">
-                    <a:lumMod val="75000"/>
-                  </a:schemeClr>
-                </a:solidFill>
-                <a:latin typeface="Calibri" pitchFamily="34" charset="0"/>
-              </a:rPr>
-              <a:t>bind</a:t>
-            </a:r>
-            <a:r>
-              <a:rPr lang="en-US" dirty="0" smtClean="0">
-                <a:solidFill>
-                  <a:schemeClr val="accent1">
-                    <a:lumMod val="75000"/>
-                  </a:schemeClr>
-                </a:solidFill>
-                <a:latin typeface="Calibri" pitchFamily="34" charset="0"/>
-              </a:rPr>
               <a:t>(</a:t>
             </a:r>
             <a:r>
-              <a:rPr lang="en-US" dirty="0" smtClean="0">
+              <a:rPr lang="en-US" dirty="0">
                 <a:latin typeface="Calibri" pitchFamily="34" charset="0"/>
               </a:rPr>
               <a:t>context[, </a:t>
             </a:r>
             <a:r>
-              <a:rPr lang="en-US" dirty="0" err="1" smtClean="0">
+              <a:rPr lang="en-US" dirty="0" err="1">
                 <a:latin typeface="Calibri" pitchFamily="34" charset="0"/>
               </a:rPr>
               <a:t>arg1</a:t>
             </a:r>
             <a:r>
-              <a:rPr lang="en-US" dirty="0" smtClean="0">
+              <a:rPr lang="en-US" dirty="0">
                 <a:latin typeface="Calibri" pitchFamily="34" charset="0"/>
               </a:rPr>
               <a:t>, </a:t>
             </a:r>
             <a:r>
-              <a:rPr lang="en-US" dirty="0" err="1" smtClean="0">
+              <a:rPr lang="en-US" dirty="0" err="1">
                 <a:latin typeface="Calibri" pitchFamily="34" charset="0"/>
               </a:rPr>
               <a:t>arg2</a:t>
             </a:r>
             <a:r>
-              <a:rPr lang="en-US" dirty="0" smtClean="0">
+              <a:rPr lang="en-US" dirty="0">
                 <a:latin typeface="Calibri" pitchFamily="34" charset="0"/>
               </a:rPr>
               <a:t>...])</a:t>
             </a:r>
-            <a:endParaRPr lang="en-US" dirty="0">
-              <a:latin typeface="Calibri" pitchFamily="34" charset="0"/>
-            </a:endParaRPr>
           </a:p>
         </p:txBody>
       </p:sp>
@@ -3454,7 +3359,7 @@
         <p:spPr>
           <a:xfrm>
             <a:off x="395536" y="2708920"/>
-            <a:ext cx="8208912" cy="3416320"/>
+            <a:ext cx="8208912" cy="2585323"/>
           </a:xfrm>
           <a:prstGeom prst="rect">
             <a:avLst/>
@@ -3472,34 +3377,45 @@
               <a:buChar char="§"/>
             </a:pPr>
             <a:r>
-              <a:rPr lang="ru-RU" dirty="0" smtClean="0">
-                <a:latin typeface="Calibri" pitchFamily="34" charset="0"/>
-              </a:rPr>
-              <a:t>  </a:t>
-            </a:r>
-            <a:r>
-              <a:rPr lang="en-US" dirty="0" smtClean="0">
-                <a:latin typeface="Calibri" pitchFamily="34" charset="0"/>
-              </a:rPr>
-              <a:t>F</a:t>
-            </a:r>
-            <a:r>
-              <a:rPr lang="ru-RU" dirty="0" err="1" smtClean="0">
+              <a:rPr lang="ru-RU" dirty="0">
+                <a:latin typeface="Calibri" pitchFamily="34" charset="0"/>
+              </a:rPr>
+              <a:t> </a:t>
+            </a:r>
+            <a:r>
+              <a:rPr lang="en-US" dirty="0">
+                <a:latin typeface="Calibri" pitchFamily="34" charset="0"/>
+              </a:rPr>
+              <a:t>f</a:t>
+            </a:r>
+            <a:r>
+              <a:rPr lang="ru-RU" dirty="0" err="1">
                 <a:latin typeface="Calibri" pitchFamily="34" charset="0"/>
               </a:rPr>
               <a:t>unc</a:t>
             </a:r>
             <a:r>
-              <a:rPr lang="en-US" dirty="0" smtClean="0">
+              <a:rPr lang="en-US" dirty="0">
                 <a:latin typeface="Calibri" pitchFamily="34" charset="0"/>
               </a:rPr>
               <a:t> - </a:t>
             </a:r>
             <a:r>
-              <a:rPr lang="ru-RU" dirty="0" smtClean="0">
-                <a:latin typeface="Calibri" pitchFamily="34" charset="0"/>
-              </a:rPr>
-              <a:t>Произвольная функция </a:t>
+              <a:rPr lang="ru-RU" dirty="0">
+                <a:latin typeface="Calibri" pitchFamily="34" charset="0"/>
+              </a:rPr>
+              <a:t>произвольная функция</a:t>
+            </a:r>
+            <a:endParaRPr lang="en-US" dirty="0">
+              <a:latin typeface="Calibri" pitchFamily="34" charset="0"/>
+            </a:endParaRPr>
+          </a:p>
+          <a:p>
+            <a:r>
+              <a:rPr lang="ru-RU" dirty="0">
+                <a:latin typeface="Calibri" pitchFamily="34" charset="0"/>
+              </a:rPr>
+              <a:t> </a:t>
             </a:r>
           </a:p>
           <a:p>
@@ -3508,31 +3424,31 @@
               <a:buChar char="§"/>
             </a:pPr>
             <a:r>
-              <a:rPr lang="ru-RU" dirty="0" smtClean="0">
-                <a:latin typeface="Calibri" pitchFamily="34" charset="0"/>
-              </a:rPr>
-              <a:t>  </a:t>
-            </a:r>
-            <a:r>
-              <a:rPr lang="ru-RU" dirty="0" err="1" smtClean="0">
+              <a:rPr lang="ru-RU" dirty="0">
+                <a:latin typeface="Calibri" pitchFamily="34" charset="0"/>
+              </a:rPr>
+              <a:t> </a:t>
+            </a:r>
+            <a:r>
+              <a:rPr lang="ru-RU" dirty="0" err="1">
                 <a:latin typeface="Calibri" pitchFamily="34" charset="0"/>
               </a:rPr>
               <a:t>context</a:t>
             </a:r>
             <a:r>
-              <a:rPr lang="ru-RU" dirty="0" smtClean="0">
-                <a:latin typeface="Calibri" pitchFamily="34" charset="0"/>
-              </a:rPr>
-              <a:t> - Контекст, который привязывается к </a:t>
-            </a:r>
-            <a:r>
-              <a:rPr lang="ru-RU" dirty="0" err="1" smtClean="0">
+              <a:rPr lang="ru-RU" dirty="0">
+                <a:latin typeface="Calibri" pitchFamily="34" charset="0"/>
+              </a:rPr>
+              <a:t> - контекст, который привязывается к </a:t>
+            </a:r>
+            <a:r>
+              <a:rPr lang="ru-RU" dirty="0" err="1">
                 <a:latin typeface="Calibri" pitchFamily="34" charset="0"/>
               </a:rPr>
               <a:t>func</a:t>
             </a:r>
             <a:r>
-              <a:rPr lang="en-US" dirty="0" smtClean="0">
+              <a:rPr lang="en-US" dirty="0">
                 <a:latin typeface="Calibri" pitchFamily="34" charset="0"/>
               </a:rPr>
               <a:t> </a:t>
@@ -3543,7 +3459,7 @@
               <a:buFont typeface="Wingdings" pitchFamily="2" charset="2"/>
               <a:buChar char="§"/>
             </a:pPr>
-            <a:endParaRPr lang="ru-RU" dirty="0" smtClean="0">
+            <a:endParaRPr lang="ru-RU" dirty="0">
               <a:latin typeface="Calibri" pitchFamily="34" charset="0"/>
             </a:endParaRPr>
           </a:p>
@@ -3553,85 +3469,25 @@
               <a:buChar char="§"/>
             </a:pPr>
             <a:r>
-              <a:rPr lang="ru-RU" dirty="0" smtClean="0">
-                <a:latin typeface="Calibri" pitchFamily="34" charset="0"/>
-              </a:rPr>
-              <a:t>   </a:t>
-            </a:r>
-            <a:r>
-              <a:rPr lang="ru-RU" dirty="0" err="1" smtClean="0">
-                <a:latin typeface="Calibri" pitchFamily="34" charset="0"/>
-              </a:rPr>
-              <a:t>arg1</a:t>
-            </a:r>
-            <a:r>
-              <a:rPr lang="ru-RU" dirty="0" smtClean="0">
-                <a:latin typeface="Calibri" pitchFamily="34" charset="0"/>
-              </a:rPr>
-              <a:t>, </a:t>
-            </a:r>
-            <a:r>
-              <a:rPr lang="ru-RU" dirty="0" err="1" smtClean="0">
-                <a:latin typeface="Calibri" pitchFamily="34" charset="0"/>
-              </a:rPr>
-              <a:t>arg2</a:t>
-            </a:r>
-            <a:r>
-              <a:rPr lang="ru-RU" dirty="0" smtClean="0">
-                <a:latin typeface="Calibri" pitchFamily="34" charset="0"/>
-              </a:rPr>
-              <a:t>, …</a:t>
-            </a:r>
-            <a:r>
-              <a:rPr lang="en-US" dirty="0" smtClean="0">
+              <a:rPr lang="ru-RU" dirty="0">
+                <a:latin typeface="Calibri" pitchFamily="34" charset="0"/>
+              </a:rPr>
+              <a:t> arg1, arg2, …</a:t>
+            </a:r>
+            <a:r>
+              <a:rPr lang="en-US" dirty="0">
                 <a:latin typeface="Calibri" pitchFamily="34" charset="0"/>
               </a:rPr>
               <a:t> - </a:t>
             </a:r>
             <a:r>
-              <a:rPr lang="ru-RU" dirty="0" smtClean="0">
-                <a:latin typeface="Calibri" pitchFamily="34" charset="0"/>
-              </a:rPr>
-              <a:t>Если указаны аргументы </a:t>
-            </a:r>
-            <a:r>
-              <a:rPr lang="ru-RU" dirty="0" err="1" smtClean="0">
-                <a:latin typeface="Calibri" pitchFamily="34" charset="0"/>
-              </a:rPr>
-              <a:t>arg1</a:t>
-            </a:r>
-            <a:r>
-              <a:rPr lang="ru-RU" dirty="0" smtClean="0">
-                <a:latin typeface="Calibri" pitchFamily="34" charset="0"/>
-              </a:rPr>
-              <a:t>, </a:t>
-            </a:r>
-            <a:r>
-              <a:rPr lang="ru-RU" dirty="0" err="1" smtClean="0">
-                <a:latin typeface="Calibri" pitchFamily="34" charset="0"/>
-              </a:rPr>
-              <a:t>arg2</a:t>
-            </a:r>
-            <a:r>
-              <a:rPr lang="ru-RU" dirty="0" smtClean="0">
-                <a:latin typeface="Calibri" pitchFamily="34" charset="0"/>
-              </a:rPr>
-              <a:t>... – они будут прибавлены к каждому вызову новой функции, причем встанут </a:t>
-            </a:r>
-            <a:r>
-              <a:rPr lang="ru-RU" i="1" dirty="0" smtClean="0">
-                <a:latin typeface="Calibri" pitchFamily="34" charset="0"/>
-              </a:rPr>
-              <a:t>перед</a:t>
-            </a:r>
-            <a:r>
-              <a:rPr lang="ru-RU" dirty="0" smtClean="0">
-                <a:latin typeface="Calibri" pitchFamily="34" charset="0"/>
-              </a:rPr>
-              <a:t> теми, которые указаны при вызове.</a:t>
-            </a:r>
-            <a:r>
-              <a:rPr lang="en-US" dirty="0" smtClean="0">
+              <a:rPr lang="ru-RU" dirty="0">
+                <a:latin typeface="Calibri" pitchFamily="34" charset="0"/>
+              </a:rPr>
+              <a:t>аргументы, которые будут добавлены к каждому вызову функции.</a:t>
+            </a:r>
+            <a:r>
+              <a:rPr lang="en-US" dirty="0">
                 <a:latin typeface="Calibri" pitchFamily="34" charset="0"/>
               </a:rPr>
               <a:t> </a:t>
@@ -3642,7 +3498,7 @@
               <a:buFont typeface="Wingdings" pitchFamily="2" charset="2"/>
               <a:buChar char="§"/>
             </a:pPr>
-            <a:endParaRPr lang="en-US" dirty="0" smtClean="0">
+            <a:endParaRPr lang="en-US" dirty="0">
               <a:latin typeface="Calibri" pitchFamily="34" charset="0"/>
             </a:endParaRPr>
           </a:p>
@@ -3652,47 +3508,38 @@
               <a:buChar char="§"/>
             </a:pPr>
             <a:r>
-              <a:rPr lang="ru-RU" dirty="0" smtClean="0">
-                <a:latin typeface="Calibri" pitchFamily="34" charset="0"/>
-              </a:rPr>
-              <a:t>  Таким образом, </a:t>
-            </a:r>
-            <a:r>
-              <a:rPr lang="ru-RU" dirty="0" err="1" smtClean="0">
+              <a:rPr lang="ru-RU" dirty="0">
+                <a:latin typeface="Calibri" pitchFamily="34" charset="0"/>
+              </a:rPr>
+              <a:t> </a:t>
+            </a:r>
+            <a:r>
+              <a:rPr lang="ru-RU" dirty="0" err="1">
                 <a:latin typeface="Calibri" pitchFamily="34" charset="0"/>
               </a:rPr>
               <a:t>wrapper</a:t>
             </a:r>
             <a:r>
-              <a:rPr lang="ru-RU" dirty="0" smtClean="0">
-                <a:latin typeface="Calibri" pitchFamily="34" charset="0"/>
-              </a:rPr>
-              <a:t> – это обёртка, фиксирующая контекст и передающая вызовы в </a:t>
-            </a:r>
-            <a:r>
-              <a:rPr lang="ru-RU" dirty="0" err="1" smtClean="0">
+              <a:rPr lang="ru-RU" dirty="0">
+                <a:latin typeface="Calibri" pitchFamily="34" charset="0"/>
+              </a:rPr>
+              <a:t> – это обёртка, фиксирующая контекст и передающая вызов в </a:t>
+            </a:r>
+            <a:r>
+              <a:rPr lang="ru-RU" dirty="0" err="1">
                 <a:latin typeface="Calibri" pitchFamily="34" charset="0"/>
               </a:rPr>
               <a:t>func</a:t>
             </a:r>
             <a:r>
-              <a:rPr lang="ru-RU" dirty="0" smtClean="0">
-                <a:latin typeface="Calibri" pitchFamily="34" charset="0"/>
-              </a:rPr>
-              <a:t>. Также можно указать аргументы, тогда и они будут фиксированы. </a:t>
-            </a:r>
-          </a:p>
-          <a:p>
-            <a:pPr>
-              <a:buFont typeface="Wingdings" pitchFamily="2" charset="2"/>
-              <a:buChar char="§"/>
-            </a:pPr>
-            <a:endParaRPr lang="ru-RU" dirty="0" smtClean="0">
-              <a:latin typeface="Calibri" pitchFamily="34" charset="0"/>
-            </a:endParaRPr>
-          </a:p>
-          <a:p>
-            <a:endParaRPr lang="ru-RU" dirty="0" smtClean="0">
+              <a:rPr lang="ru-RU" dirty="0">
+                <a:latin typeface="Calibri" pitchFamily="34" charset="0"/>
+              </a:rPr>
+              <a:t>. </a:t>
+            </a:r>
+          </a:p>
+          <a:p>
+            <a:endParaRPr lang="ru-RU" dirty="0">
               <a:latin typeface="Calibri" pitchFamily="34" charset="0"/>
             </a:endParaRPr>
           </a:p>
@@ -3706,20 +3553,13 @@
     </p:spTree>
     <p:extLst>
       <p:ext uri="{BB962C8B-B14F-4D97-AF65-F5344CB8AC3E}">
-        <p14:creationId xmlns="" xmlns:p14="http://schemas.microsoft.com/office/powerpoint/2010/main" val="9290874"/>
+        <p14:creationId xmlns:p14="http://schemas.microsoft.com/office/powerpoint/2010/main" val="9290874"/>
       </p:ext>
     </p:extLst>
   </p:cSld>
   <p:clrMapOvr>
     <a:masterClrMapping/>
   </p:clrMapOvr>
-  <p:timing>
-    <p:tnLst>
-      <p:par>
-        <p:cTn id="1" dur="indefinite" restart="never" nodeType="tmRoot"/>
-      </p:par>
-    </p:tnLst>
-  </p:timing>
 </p:sld>
 </file>
 
@@ -3756,7 +3596,7 @@
           <a:lstStyle/>
           <a:p>
             <a:r>
-              <a:rPr lang="ru-RU" dirty="0" err="1" smtClean="0">
+              <a:rPr lang="ru-RU" dirty="0" err="1">
                 <a:latin typeface="Calibri" pitchFamily="34" charset="0"/>
               </a:rPr>
               <a:t>Карринг</a:t>
@@ -3791,198 +3631,198 @@
           <a:p>
             <a:pPr algn="just"/>
             <a:r>
-              <a:rPr lang="ru-RU" b="1" dirty="0" err="1" smtClean="0">
+              <a:rPr lang="ru-RU" b="1" dirty="0" err="1">
                 <a:latin typeface="Calibri" pitchFamily="34" charset="0"/>
               </a:rPr>
               <a:t>Карринг</a:t>
             </a:r>
             <a:r>
-              <a:rPr lang="ru-RU" b="1" dirty="0" smtClean="0">
+              <a:rPr lang="ru-RU" b="1" dirty="0">
                 <a:latin typeface="Calibri" pitchFamily="34" charset="0"/>
               </a:rPr>
               <a:t> (</a:t>
             </a:r>
             <a:r>
-              <a:rPr lang="ru-RU" b="1" dirty="0" err="1" smtClean="0">
+              <a:rPr lang="ru-RU" b="1" dirty="0" err="1">
                 <a:latin typeface="Calibri" pitchFamily="34" charset="0"/>
               </a:rPr>
               <a:t>currying</a:t>
             </a:r>
             <a:r>
-              <a:rPr lang="ru-RU" b="1" dirty="0" smtClean="0">
+              <a:rPr lang="ru-RU" b="1" dirty="0">
                 <a:latin typeface="Calibri" pitchFamily="34" charset="0"/>
               </a:rPr>
               <a:t>) </a:t>
             </a:r>
             <a:r>
-              <a:rPr lang="ru-RU" dirty="0" smtClean="0">
+              <a:rPr lang="ru-RU" dirty="0">
                 <a:latin typeface="Calibri" pitchFamily="34" charset="0"/>
               </a:rPr>
               <a:t>или </a:t>
             </a:r>
             <a:r>
-              <a:rPr lang="ru-RU" b="1" dirty="0" err="1" smtClean="0">
+              <a:rPr lang="ru-RU" b="1" dirty="0" err="1">
                 <a:latin typeface="Calibri" pitchFamily="34" charset="0"/>
               </a:rPr>
               <a:t>каррирование</a:t>
             </a:r>
             <a:r>
-              <a:rPr lang="ru-RU" dirty="0" smtClean="0">
+              <a:rPr lang="ru-RU" dirty="0">
                 <a:latin typeface="Calibri" pitchFamily="34" charset="0"/>
               </a:rPr>
               <a:t> – термин функционального программирования, который означает создание новой функции путём фиксирования аргументов существующей. </a:t>
             </a:r>
           </a:p>
           <a:p>
-            <a:endParaRPr lang="ru-RU" dirty="0" smtClean="0">
+            <a:endParaRPr lang="ru-RU" dirty="0">
               <a:latin typeface="Calibri" pitchFamily="34" charset="0"/>
             </a:endParaRPr>
           </a:p>
           <a:p>
             <a:r>
-              <a:rPr lang="ru-RU" dirty="0" smtClean="0">
+              <a:rPr lang="ru-RU" dirty="0">
                 <a:latin typeface="Calibri" pitchFamily="34" charset="0"/>
               </a:rPr>
               <a:t>Например</a:t>
             </a:r>
             <a:r>
-              <a:rPr lang="en-US" dirty="0" smtClean="0">
+              <a:rPr lang="en-US" dirty="0">
                 <a:latin typeface="Calibri" pitchFamily="34" charset="0"/>
               </a:rPr>
               <a:t>:  </a:t>
             </a:r>
-          </a:p>
-          <a:p>
-            <a:endParaRPr lang="en-US" dirty="0" smtClean="0">
-              <a:latin typeface="Calibri" pitchFamily="34" charset="0"/>
-            </a:endParaRPr>
-          </a:p>
-          <a:p>
-            <a:endParaRPr lang="en-US" dirty="0" smtClean="0">
-              <a:latin typeface="Calibri" pitchFamily="34" charset="0"/>
-            </a:endParaRPr>
-          </a:p>
-          <a:p>
-            <a:endParaRPr lang="ru-RU" dirty="0" smtClean="0">
-              <a:latin typeface="Calibri" pitchFamily="34" charset="0"/>
-            </a:endParaRPr>
-          </a:p>
-          <a:p>
-            <a:endParaRPr lang="ru-RU" dirty="0" smtClean="0">
-              <a:latin typeface="Calibri" pitchFamily="34" charset="0"/>
-            </a:endParaRPr>
-          </a:p>
-          <a:p>
-            <a:endParaRPr lang="ru-RU" dirty="0" smtClean="0">
-              <a:latin typeface="Calibri" pitchFamily="34" charset="0"/>
-            </a:endParaRPr>
-          </a:p>
-          <a:p>
-            <a:endParaRPr lang="ru-RU" dirty="0" smtClean="0">
-              <a:latin typeface="Calibri" pitchFamily="34" charset="0"/>
-            </a:endParaRPr>
-          </a:p>
-          <a:p>
-            <a:endParaRPr lang="ru-RU" dirty="0" smtClean="0">
-              <a:latin typeface="Calibri" pitchFamily="34" charset="0"/>
-            </a:endParaRPr>
-          </a:p>
-          <a:p>
-            <a:endParaRPr lang="ru-RU" dirty="0" smtClean="0">
-              <a:latin typeface="Calibri" pitchFamily="34" charset="0"/>
-            </a:endParaRPr>
-          </a:p>
-          <a:p>
-            <a:endParaRPr lang="ru-RU" dirty="0" smtClean="0">
-              <a:latin typeface="Calibri" pitchFamily="34" charset="0"/>
-            </a:endParaRPr>
-          </a:p>
-          <a:p>
-            <a:endParaRPr lang="en-US" dirty="0" smtClean="0">
-              <a:latin typeface="Calibri" pitchFamily="34" charset="0"/>
-            </a:endParaRPr>
-          </a:p>
-          <a:p>
-            <a:r>
-              <a:rPr lang="ru-RU" dirty="0" smtClean="0">
-                <a:latin typeface="Calibri" pitchFamily="34" charset="0"/>
-              </a:rPr>
-              <a:t>Говорят, что </a:t>
-            </a:r>
-            <a:r>
-              <a:rPr lang="en-US" dirty="0" smtClean="0">
-                <a:latin typeface="Calibri" pitchFamily="34" charset="0"/>
-              </a:rPr>
-              <a:t>triple</a:t>
-            </a:r>
-            <a:r>
-              <a:rPr lang="ru-RU" dirty="0" smtClean="0">
-                <a:latin typeface="Calibri" pitchFamily="34" charset="0"/>
-              </a:rPr>
-              <a:t> является </a:t>
-            </a:r>
-            <a:r>
-              <a:rPr lang="ru-RU" b="1" dirty="0" smtClean="0">
-                <a:latin typeface="Calibri" pitchFamily="34" charset="0"/>
-              </a:rPr>
-              <a:t>«частичной функцией» </a:t>
-            </a:r>
-            <a:r>
-              <a:rPr lang="ru-RU" dirty="0" smtClean="0">
-                <a:latin typeface="Calibri" pitchFamily="34" charset="0"/>
-              </a:rPr>
-              <a:t>(</a:t>
-            </a:r>
-            <a:r>
-              <a:rPr lang="ru-RU" dirty="0" err="1" smtClean="0">
-                <a:latin typeface="Calibri" pitchFamily="34" charset="0"/>
-              </a:rPr>
-              <a:t>partial</a:t>
-            </a:r>
-            <a:r>
-              <a:rPr lang="ru-RU" dirty="0" smtClean="0">
-                <a:latin typeface="Calibri" pitchFamily="34" charset="0"/>
-              </a:rPr>
-              <a:t> </a:t>
-            </a:r>
-            <a:r>
-              <a:rPr lang="ru-RU" dirty="0" err="1" smtClean="0">
-                <a:latin typeface="Calibri" pitchFamily="34" charset="0"/>
-              </a:rPr>
-              <a:t>function</a:t>
-            </a:r>
-            <a:r>
-              <a:rPr lang="ru-RU" dirty="0" smtClean="0">
-                <a:latin typeface="Calibri" pitchFamily="34" charset="0"/>
-              </a:rPr>
-              <a:t>) от </a:t>
-            </a:r>
-            <a:r>
-              <a:rPr lang="ru-RU" dirty="0" err="1" smtClean="0">
-                <a:latin typeface="Calibri" pitchFamily="34" charset="0"/>
-              </a:rPr>
-              <a:t>mul</a:t>
-            </a:r>
-            <a:r>
-              <a:rPr lang="ru-RU" dirty="0" smtClean="0">
-                <a:latin typeface="Calibri" pitchFamily="34" charset="0"/>
-              </a:rPr>
-              <a:t>.</a:t>
-            </a:r>
-            <a:endParaRPr lang="en-US" dirty="0" smtClean="0">
-              <a:latin typeface="Calibri" pitchFamily="34" charset="0"/>
-            </a:endParaRPr>
-          </a:p>
-          <a:p>
-            <a:endParaRPr lang="en-US" dirty="0" smtClean="0">
-              <a:latin typeface="Calibri" pitchFamily="34" charset="0"/>
-            </a:endParaRPr>
           </a:p>
           <a:p>
             <a:endParaRPr lang="en-US" dirty="0">
               <a:latin typeface="Calibri" pitchFamily="34" charset="0"/>
             </a:endParaRPr>
           </a:p>
+          <a:p>
+            <a:endParaRPr lang="en-US" dirty="0">
+              <a:latin typeface="Calibri" pitchFamily="34" charset="0"/>
+            </a:endParaRPr>
+          </a:p>
+          <a:p>
+            <a:endParaRPr lang="ru-RU" dirty="0">
+              <a:latin typeface="Calibri" pitchFamily="34" charset="0"/>
+            </a:endParaRPr>
+          </a:p>
+          <a:p>
+            <a:endParaRPr lang="ru-RU" dirty="0">
+              <a:latin typeface="Calibri" pitchFamily="34" charset="0"/>
+            </a:endParaRPr>
+          </a:p>
+          <a:p>
+            <a:endParaRPr lang="ru-RU" dirty="0">
+              <a:latin typeface="Calibri" pitchFamily="34" charset="0"/>
+            </a:endParaRPr>
+          </a:p>
+          <a:p>
+            <a:endParaRPr lang="ru-RU" dirty="0">
+              <a:latin typeface="Calibri" pitchFamily="34" charset="0"/>
+            </a:endParaRPr>
+          </a:p>
+          <a:p>
+            <a:endParaRPr lang="ru-RU" dirty="0">
+              <a:latin typeface="Calibri" pitchFamily="34" charset="0"/>
+            </a:endParaRPr>
+          </a:p>
+          <a:p>
+            <a:endParaRPr lang="ru-RU" dirty="0">
+              <a:latin typeface="Calibri" pitchFamily="34" charset="0"/>
+            </a:endParaRPr>
+          </a:p>
+          <a:p>
+            <a:endParaRPr lang="ru-RU" dirty="0">
+              <a:latin typeface="Calibri" pitchFamily="34" charset="0"/>
+            </a:endParaRPr>
+          </a:p>
+          <a:p>
+            <a:endParaRPr lang="en-US" dirty="0">
+              <a:latin typeface="Calibri" pitchFamily="34" charset="0"/>
+            </a:endParaRPr>
+          </a:p>
+          <a:p>
+            <a:r>
+              <a:rPr lang="ru-RU" dirty="0">
+                <a:latin typeface="Calibri" pitchFamily="34" charset="0"/>
+              </a:rPr>
+              <a:t>Говорят, что </a:t>
+            </a:r>
+            <a:r>
+              <a:rPr lang="en-US" dirty="0">
+                <a:latin typeface="Calibri" pitchFamily="34" charset="0"/>
+              </a:rPr>
+              <a:t>triple</a:t>
+            </a:r>
+            <a:r>
+              <a:rPr lang="ru-RU" dirty="0">
+                <a:latin typeface="Calibri" pitchFamily="34" charset="0"/>
+              </a:rPr>
+              <a:t> является </a:t>
+            </a:r>
+            <a:r>
+              <a:rPr lang="ru-RU" b="1" dirty="0">
+                <a:latin typeface="Calibri" pitchFamily="34" charset="0"/>
+              </a:rPr>
+              <a:t>«частичной функцией» </a:t>
+            </a:r>
+            <a:r>
+              <a:rPr lang="ru-RU" dirty="0">
+                <a:latin typeface="Calibri" pitchFamily="34" charset="0"/>
+              </a:rPr>
+              <a:t>(</a:t>
+            </a:r>
+            <a:r>
+              <a:rPr lang="ru-RU" dirty="0" err="1">
+                <a:latin typeface="Calibri" pitchFamily="34" charset="0"/>
+              </a:rPr>
+              <a:t>partial</a:t>
+            </a:r>
+            <a:r>
+              <a:rPr lang="ru-RU" dirty="0">
+                <a:latin typeface="Calibri" pitchFamily="34" charset="0"/>
+              </a:rPr>
+              <a:t> </a:t>
+            </a:r>
+            <a:r>
+              <a:rPr lang="ru-RU" dirty="0" err="1">
+                <a:latin typeface="Calibri" pitchFamily="34" charset="0"/>
+              </a:rPr>
+              <a:t>function</a:t>
+            </a:r>
+            <a:r>
+              <a:rPr lang="ru-RU" dirty="0">
+                <a:latin typeface="Calibri" pitchFamily="34" charset="0"/>
+              </a:rPr>
+              <a:t>) от </a:t>
+            </a:r>
+            <a:r>
+              <a:rPr lang="ru-RU" dirty="0" err="1">
+                <a:latin typeface="Calibri" pitchFamily="34" charset="0"/>
+              </a:rPr>
+              <a:t>mul</a:t>
+            </a:r>
+            <a:r>
+              <a:rPr lang="ru-RU" dirty="0">
+                <a:latin typeface="Calibri" pitchFamily="34" charset="0"/>
+              </a:rPr>
+              <a:t>.</a:t>
+            </a:r>
+            <a:endParaRPr lang="en-US" dirty="0">
+              <a:latin typeface="Calibri" pitchFamily="34" charset="0"/>
+            </a:endParaRPr>
+          </a:p>
+          <a:p>
+            <a:endParaRPr lang="en-US" dirty="0">
+              <a:latin typeface="Calibri" pitchFamily="34" charset="0"/>
+            </a:endParaRPr>
+          </a:p>
+          <a:p>
+            <a:endParaRPr lang="en-US" dirty="0">
+              <a:latin typeface="Calibri" pitchFamily="34" charset="0"/>
+            </a:endParaRPr>
+          </a:p>
         </p:txBody>
       </p:sp>
       <p:sp>
@@ -3994,7 +3834,7 @@
         <p:spPr>
           <a:xfrm>
             <a:off x="1043608" y="3284984"/>
-            <a:ext cx="5688632" cy="2031325"/>
+            <a:ext cx="5688632" cy="2308324"/>
           </a:xfrm>
           <a:prstGeom prst="rect">
             <a:avLst/>
@@ -4021,32 +3861,65 @@
           <a:lstStyle/>
           <a:p>
             <a:r>
-              <a:rPr lang="en-US" dirty="0" smtClean="0">
-                <a:latin typeface="Calibri" pitchFamily="34" charset="0"/>
-              </a:rPr>
-              <a:t>function </a:t>
-            </a:r>
-            <a:r>
-              <a:rPr lang="en-US" dirty="0" err="1" smtClean="0">
+              <a:rPr lang="en-US" dirty="0">
+                <a:solidFill>
+                  <a:srgbClr val="0000FF"/>
+                </a:solidFill>
+                <a:latin typeface="Calibri" pitchFamily="34" charset="0"/>
+              </a:rPr>
+              <a:t>function</a:t>
+            </a:r>
+            <a:r>
+              <a:rPr lang="en-US" dirty="0">
+                <a:latin typeface="Calibri" pitchFamily="34" charset="0"/>
+              </a:rPr>
+              <a:t> </a:t>
+            </a:r>
+            <a:r>
+              <a:rPr lang="en-US" dirty="0" err="1">
                 <a:latin typeface="Calibri" pitchFamily="34" charset="0"/>
               </a:rPr>
               <a:t>mul</a:t>
             </a:r>
             <a:r>
-              <a:rPr lang="en-US" dirty="0" smtClean="0">
-                <a:latin typeface="Calibri" pitchFamily="34" charset="0"/>
-              </a:rPr>
-              <a:t>(a, b) { return a * b; };</a:t>
-            </a:r>
-          </a:p>
-          <a:p>
-            <a:endParaRPr lang="en-US" dirty="0" smtClean="0">
+              <a:rPr lang="en-US" dirty="0">
+                <a:latin typeface="Calibri" pitchFamily="34" charset="0"/>
+              </a:rPr>
+              <a:t>(a, b) { </a:t>
+            </a:r>
+            <a:r>
+              <a:rPr lang="en-US" dirty="0">
+                <a:solidFill>
+                  <a:srgbClr val="0000FF"/>
+                </a:solidFill>
+                <a:latin typeface="Calibri" pitchFamily="34" charset="0"/>
+              </a:rPr>
+              <a:t>return</a:t>
+            </a:r>
+            <a:r>
+              <a:rPr lang="en-US" dirty="0">
+                <a:latin typeface="Calibri" pitchFamily="34" charset="0"/>
+              </a:rPr>
+              <a:t> a * b; };</a:t>
+            </a:r>
+          </a:p>
+          <a:p>
+            <a:endParaRPr lang="en-US" dirty="0">
               <a:latin typeface="Calibri" pitchFamily="34" charset="0"/>
             </a:endParaRPr>
           </a:p>
           <a:p>
             <a:r>
-              <a:rPr lang="en-US" dirty="0" err="1" smtClean="0">
+              <a:rPr lang="en-US" dirty="0" err="1">
+                <a:solidFill>
+                  <a:srgbClr val="0000FF"/>
+                </a:solidFill>
+                <a:latin typeface="Calibri" pitchFamily="34" charset="0"/>
+              </a:rPr>
+              <a:t>var</a:t>
+            </a:r>
+            <a:r>
+              <a:rPr lang="en-US" dirty="0">
                 <a:solidFill>
                   <a:schemeClr val="accent1">
                     <a:lumMod val="75000"/>
@@ -4054,98 +3927,89 @@
                 </a:solidFill>
                 <a:latin typeface="Calibri" pitchFamily="34" charset="0"/>
               </a:rPr>
-              <a:t>var</a:t>
-            </a:r>
-            <a:r>
-              <a:rPr lang="en-US" dirty="0" smtClean="0">
-                <a:solidFill>
-                  <a:schemeClr val="accent1">
-                    <a:lumMod val="75000"/>
-                  </a:schemeClr>
-                </a:solidFill>
-                <a:latin typeface="Calibri" pitchFamily="34" charset="0"/>
-              </a:rPr>
               <a:t> </a:t>
             </a:r>
             <a:r>
-              <a:rPr lang="en-US" dirty="0" smtClean="0">
+              <a:rPr lang="en-US" dirty="0">
                 <a:latin typeface="Calibri" pitchFamily="34" charset="0"/>
               </a:rPr>
               <a:t>triple = </a:t>
             </a:r>
             <a:r>
-              <a:rPr lang="en-US" dirty="0" err="1" smtClean="0">
+              <a:rPr lang="en-US" dirty="0" err="1">
                 <a:latin typeface="Calibri" pitchFamily="34" charset="0"/>
               </a:rPr>
               <a:t>mul.bind</a:t>
             </a:r>
             <a:r>
-              <a:rPr lang="en-US" dirty="0" smtClean="0">
+              <a:rPr lang="en-US" dirty="0">
                 <a:latin typeface="Calibri" pitchFamily="34" charset="0"/>
               </a:rPr>
               <a:t>(null, 3); // </a:t>
             </a:r>
             <a:r>
-              <a:rPr lang="uk-UA" i="1" dirty="0" smtClean="0">
+              <a:rPr lang="uk-UA" i="1" dirty="0">
                 <a:latin typeface="Calibri" pitchFamily="34" charset="0"/>
               </a:rPr>
               <a:t>контекст </a:t>
             </a:r>
             <a:r>
-              <a:rPr lang="uk-UA" i="1" dirty="0" err="1" smtClean="0">
+              <a:rPr lang="uk-UA" i="1" dirty="0" err="1">
                 <a:latin typeface="Calibri" pitchFamily="34" charset="0"/>
               </a:rPr>
               <a:t>фиксируем</a:t>
             </a:r>
             <a:r>
-              <a:rPr lang="uk-UA" i="1" dirty="0" smtClean="0">
+              <a:rPr lang="uk-UA" i="1" dirty="0">
                 <a:latin typeface="Calibri" pitchFamily="34" charset="0"/>
               </a:rPr>
               <a:t> </a:t>
             </a:r>
             <a:r>
-              <a:rPr lang="en-US" i="1" dirty="0" smtClean="0">
+              <a:rPr lang="en-US" i="1" dirty="0">
                 <a:latin typeface="Calibri" pitchFamily="34" charset="0"/>
               </a:rPr>
               <a:t>null, </a:t>
             </a:r>
             <a:r>
-              <a:rPr lang="uk-UA" i="1" dirty="0" smtClean="0">
+              <a:rPr lang="uk-UA" i="1" dirty="0">
                 <a:latin typeface="Calibri" pitchFamily="34" charset="0"/>
               </a:rPr>
               <a:t>он не </a:t>
             </a:r>
             <a:r>
-              <a:rPr lang="uk-UA" i="1" dirty="0" err="1" smtClean="0">
+              <a:rPr lang="uk-UA" i="1" dirty="0" err="1">
                 <a:latin typeface="Calibri" pitchFamily="34" charset="0"/>
               </a:rPr>
               <a:t>используется</a:t>
             </a:r>
             <a:r>
-              <a:rPr lang="uk-UA" i="1" dirty="0" smtClean="0">
+              <a:rPr lang="uk-UA" i="1" dirty="0">
                 <a:latin typeface="Calibri" pitchFamily="34" charset="0"/>
               </a:rPr>
               <a:t> </a:t>
             </a:r>
-            <a:endParaRPr lang="en-US" i="1" dirty="0" smtClean="0">
+          </a:p>
+          <a:p>
+            <a:endParaRPr lang="en-US" i="1" dirty="0">
               <a:latin typeface="Calibri" pitchFamily="34" charset="0"/>
             </a:endParaRPr>
           </a:p>
           <a:p>
             <a:r>
-              <a:rPr lang="en-US" dirty="0" smtClean="0">
+              <a:rPr lang="en-US" dirty="0">
                 <a:latin typeface="Calibri" pitchFamily="34" charset="0"/>
               </a:rPr>
               <a:t>alert( triple(3) ); // = </a:t>
             </a:r>
             <a:r>
-              <a:rPr lang="en-US" dirty="0" err="1" smtClean="0">
+              <a:rPr lang="en-US" dirty="0" err="1">
                 <a:latin typeface="Calibri" pitchFamily="34" charset="0"/>
               </a:rPr>
               <a:t>mul</a:t>
             </a:r>
             <a:r>
-              <a:rPr lang="en-US" dirty="0" smtClean="0">
+              <a:rPr lang="en-US" dirty="0">
                 <a:latin typeface="Calibri" pitchFamily="34" charset="0"/>
               </a:rPr>
               <a:t>(3, 3) = 9 </a:t>
@@ -4153,19 +4017,19 @@
           </a:p>
           <a:p>
             <a:r>
-              <a:rPr lang="en-US" dirty="0" smtClean="0">
+              <a:rPr lang="en-US" dirty="0">
                 <a:latin typeface="Calibri" pitchFamily="34" charset="0"/>
               </a:rPr>
               <a:t>alert( triple(4) ); // = </a:t>
             </a:r>
             <a:r>
-              <a:rPr lang="en-US" dirty="0" err="1" smtClean="0">
+              <a:rPr lang="en-US" dirty="0" err="1">
                 <a:latin typeface="Calibri" pitchFamily="34" charset="0"/>
               </a:rPr>
               <a:t>mul</a:t>
             </a:r>
             <a:r>
-              <a:rPr lang="en-US" dirty="0" smtClean="0">
+              <a:rPr lang="en-US" dirty="0">
                 <a:latin typeface="Calibri" pitchFamily="34" charset="0"/>
               </a:rPr>
               <a:t>(3, 4) = 12 </a:t>
@@ -4173,19 +4037,19 @@
           </a:p>
           <a:p>
             <a:r>
-              <a:rPr lang="en-US" dirty="0" smtClean="0">
+              <a:rPr lang="en-US" dirty="0">
                 <a:latin typeface="Calibri" pitchFamily="34" charset="0"/>
               </a:rPr>
               <a:t>alert( triple(5) ); // = </a:t>
             </a:r>
             <a:r>
-              <a:rPr lang="en-US" dirty="0" err="1" smtClean="0">
+              <a:rPr lang="en-US" dirty="0" err="1">
                 <a:latin typeface="Calibri" pitchFamily="34" charset="0"/>
               </a:rPr>
               <a:t>mul</a:t>
             </a:r>
             <a:r>
-              <a:rPr lang="en-US" dirty="0" smtClean="0">
+              <a:rPr lang="en-US" dirty="0">
                 <a:latin typeface="Calibri" pitchFamily="34" charset="0"/>
               </a:rPr>
               <a:t>(3, 5) = 15 </a:t>
@@ -4196,20 +4060,13 @@
     </p:spTree>
     <p:extLst>
       <p:ext uri="{BB962C8B-B14F-4D97-AF65-F5344CB8AC3E}">
-        <p14:creationId xmlns="" xmlns:p14="http://schemas.microsoft.com/office/powerpoint/2010/main" val="9290874"/>
+        <p14:creationId xmlns:p14="http://schemas.microsoft.com/office/powerpoint/2010/main" val="9290874"/>
       </p:ext>
     </p:extLst>
   </p:cSld>
   <p:clrMapOvr>
     <a:masterClrMapping/>
   </p:clrMapOvr>
-  <p:timing>
-    <p:tnLst>
-      <p:par>
-        <p:cTn id="1" dur="indefinite" restart="never" nodeType="tmRoot"/>
-      </p:par>
-    </p:tnLst>
-  </p:timing>
 </p:sld>
 </file>
 
@@ -4242,9 +4099,7 @@
         </p:nvSpPr>
         <p:spPr>
           <a:ln>
-            <a:solidFill>
-              <a:srgbClr val="7030A0"/>
-            </a:solidFill>
+            <a:noFill/>
           </a:ln>
         </p:spPr>
         <p:txBody>
@@ -4252,7 +4107,7 @@
           <a:lstStyle/>
           <a:p>
             <a:r>
-              <a:rPr lang="ru-RU" dirty="0" smtClean="0">
+              <a:rPr lang="ru-RU" dirty="0">
                 <a:latin typeface="Calibri" pitchFamily="34" charset="0"/>
               </a:rPr>
               <a:t>Декораторы</a:t>
@@ -4287,13 +4142,13 @@
           <a:p>
             <a:pPr algn="just"/>
             <a:r>
-              <a:rPr lang="ru-RU" b="1" dirty="0" smtClean="0">
+              <a:rPr lang="ru-RU" b="1" dirty="0">
                 <a:latin typeface="Calibri" pitchFamily="34" charset="0"/>
               </a:rPr>
               <a:t>Декоратор </a:t>
             </a:r>
             <a:r>
-              <a:rPr lang="ru-RU" dirty="0" smtClean="0">
+              <a:rPr lang="ru-RU" dirty="0">
                 <a:latin typeface="Calibri" pitchFamily="34" charset="0"/>
               </a:rPr>
               <a:t>– приём программирования, который позволяет взять существующую функцию и изменить/расширить ее поведение.</a:t>
@@ -4302,7 +4157,7 @@
           <a:p>
             <a:pPr algn="just"/>
             <a:r>
-              <a:rPr lang="ru-RU" dirty="0" smtClean="0">
+              <a:rPr lang="ru-RU" dirty="0">
                 <a:latin typeface="Calibri" pitchFamily="34" charset="0"/>
               </a:rPr>
               <a:t> </a:t>
@@ -4311,68 +4166,53 @@
           <a:p>
             <a:pPr algn="just"/>
             <a:r>
-              <a:rPr lang="ru-RU" dirty="0" smtClean="0">
+              <a:rPr lang="ru-RU" dirty="0">
                 <a:latin typeface="Calibri" pitchFamily="34" charset="0"/>
               </a:rPr>
               <a:t>Декоратор получает функцию и возвращает обертку, которая делает что-то своё «вокруг» вызова основной функции. </a:t>
             </a:r>
           </a:p>
           <a:p>
-            <a:endParaRPr lang="ru-RU" dirty="0" smtClean="0">
+            <a:endParaRPr lang="ru-RU" dirty="0">
               <a:latin typeface="Calibri" pitchFamily="34" charset="0"/>
             </a:endParaRPr>
           </a:p>
           <a:p>
             <a:r>
-              <a:rPr lang="ru-RU" dirty="0" smtClean="0">
+              <a:rPr lang="ru-RU" dirty="0">
                 <a:latin typeface="Calibri" pitchFamily="34" charset="0"/>
               </a:rPr>
               <a:t>Например</a:t>
             </a:r>
             <a:r>
-              <a:rPr lang="en-US" dirty="0" smtClean="0">
+              <a:rPr lang="en-US" dirty="0">
                 <a:latin typeface="Calibri" pitchFamily="34" charset="0"/>
               </a:rPr>
               <a:t>: </a:t>
             </a:r>
           </a:p>
           <a:p>
-            <a:endParaRPr lang="ru-RU" dirty="0" smtClean="0">
+            <a:endParaRPr lang="ru-RU" dirty="0">
               <a:latin typeface="Calibri" pitchFamily="34" charset="0"/>
             </a:endParaRPr>
           </a:p>
           <a:p>
-            <a:endParaRPr lang="ru-RU" dirty="0" smtClean="0">
+            <a:endParaRPr lang="ru-RU" dirty="0">
               <a:latin typeface="Calibri" pitchFamily="34" charset="0"/>
             </a:endParaRPr>
           </a:p>
           <a:p>
-            <a:endParaRPr lang="ru-RU" dirty="0" smtClean="0">
+            <a:endParaRPr lang="ru-RU" dirty="0">
               <a:latin typeface="Calibri" pitchFamily="34" charset="0"/>
             </a:endParaRPr>
           </a:p>
           <a:p>
-            <a:endParaRPr lang="ru-RU" dirty="0" smtClean="0">
+            <a:endParaRPr lang="ru-RU" dirty="0">
               <a:latin typeface="Calibri" pitchFamily="34" charset="0"/>
             </a:endParaRPr>
           </a:p>
           <a:p>
-            <a:endParaRPr lang="ru-RU" dirty="0" smtClean="0">
-              <a:latin typeface="Calibri" pitchFamily="34" charset="0"/>
-            </a:endParaRPr>
-          </a:p>
-          <a:p>
-            <a:endParaRPr lang="en-US" dirty="0" smtClean="0">
-              <a:latin typeface="Calibri" pitchFamily="34" charset="0"/>
-            </a:endParaRPr>
-          </a:p>
-          <a:p>
-            <a:endParaRPr lang="en-US" dirty="0" smtClean="0">
-              <a:latin typeface="Calibri" pitchFamily="34" charset="0"/>
-            </a:endParaRPr>
-          </a:p>
-          <a:p>
-            <a:endParaRPr lang="ru-RU" dirty="0" smtClean="0">
+            <a:endParaRPr lang="ru-RU" dirty="0">
               <a:latin typeface="Calibri" pitchFamily="34" charset="0"/>
             </a:endParaRPr>
           </a:p>
@@ -4381,6 +4221,21 @@
               <a:latin typeface="Calibri" pitchFamily="34" charset="0"/>
             </a:endParaRPr>
           </a:p>
+          <a:p>
+            <a:endParaRPr lang="en-US" dirty="0">
+              <a:latin typeface="Calibri" pitchFamily="34" charset="0"/>
+            </a:endParaRPr>
+          </a:p>
+          <a:p>
+            <a:endParaRPr lang="ru-RU" dirty="0">
+              <a:latin typeface="Calibri" pitchFamily="34" charset="0"/>
+            </a:endParaRPr>
+          </a:p>
+          <a:p>
+            <a:endParaRPr lang="en-US" dirty="0">
+              <a:latin typeface="Calibri" pitchFamily="34" charset="0"/>
+            </a:endParaRPr>
+          </a:p>
         </p:txBody>
       </p:sp>
       <p:sp>
@@ -4391,7 +4246,7 @@
         </p:nvSpPr>
         <p:spPr>
           <a:xfrm>
-            <a:off x="1043608" y="4149080"/>
+            <a:off x="2168714" y="4077072"/>
             <a:ext cx="4806572" cy="1477328"/>
           </a:xfrm>
           <a:prstGeom prst="rect">
@@ -4419,19 +4274,28 @@
           <a:lstStyle/>
           <a:p>
             <a:r>
-              <a:rPr lang="en-US" dirty="0" smtClean="0">
-                <a:latin typeface="Calibri" pitchFamily="34" charset="0"/>
-              </a:rPr>
-              <a:t>function bind(</a:t>
-            </a:r>
-            <a:r>
-              <a:rPr lang="en-US" dirty="0" err="1" smtClean="0">
+              <a:rPr lang="en-US" dirty="0">
+                <a:solidFill>
+                  <a:srgbClr val="0000FF"/>
+                </a:solidFill>
+                <a:latin typeface="Calibri" pitchFamily="34" charset="0"/>
+              </a:rPr>
+              <a:t>function</a:t>
+            </a:r>
+            <a:r>
+              <a:rPr lang="en-US" dirty="0">
+                <a:latin typeface="Calibri" pitchFamily="34" charset="0"/>
+              </a:rPr>
+              <a:t> bind(</a:t>
+            </a:r>
+            <a:r>
+              <a:rPr lang="en-US" dirty="0" err="1">
                 <a:latin typeface="Calibri" pitchFamily="34" charset="0"/>
               </a:rPr>
               <a:t>func</a:t>
             </a:r>
             <a:r>
-              <a:rPr lang="en-US" dirty="0" smtClean="0">
+              <a:rPr lang="en-US" dirty="0">
                 <a:latin typeface="Calibri" pitchFamily="34" charset="0"/>
               </a:rPr>
               <a:t>, context) {</a:t>
@@ -4439,27 +4303,42 @@
           </a:p>
           <a:p>
             <a:r>
-              <a:rPr lang="en-US" dirty="0" smtClean="0">
-                <a:latin typeface="Calibri" pitchFamily="34" charset="0"/>
-              </a:rPr>
-              <a:t> return function() { </a:t>
-            </a:r>
-          </a:p>
-          <a:p>
-            <a:r>
-              <a:rPr lang="en-US" dirty="0" smtClean="0">
+              <a:rPr lang="en-US" dirty="0">
+                <a:latin typeface="Calibri" pitchFamily="34" charset="0"/>
+              </a:rPr>
+              <a:t> </a:t>
+            </a:r>
+            <a:r>
+              <a:rPr lang="en-US" dirty="0">
+                <a:solidFill>
+                  <a:srgbClr val="0000FF"/>
+                </a:solidFill>
+                <a:latin typeface="Calibri" pitchFamily="34" charset="0"/>
+              </a:rPr>
+              <a:t>return</a:t>
+            </a:r>
+            <a:r>
+              <a:rPr lang="en-US" dirty="0">
+                <a:latin typeface="Calibri" pitchFamily="34" charset="0"/>
+              </a:rPr>
+              <a:t> function() { </a:t>
+            </a:r>
+          </a:p>
+          <a:p>
+            <a:r>
+              <a:rPr lang="en-US" dirty="0">
                 <a:latin typeface="Calibri" pitchFamily="34" charset="0"/>
               </a:rPr>
               <a:t>	return </a:t>
             </a:r>
             <a:r>
-              <a:rPr lang="en-US" dirty="0" err="1" smtClean="0">
+              <a:rPr lang="en-US" dirty="0" err="1">
                 <a:latin typeface="Calibri" pitchFamily="34" charset="0"/>
               </a:rPr>
               <a:t>func.apply</a:t>
             </a:r>
             <a:r>
-              <a:rPr lang="en-US" dirty="0" smtClean="0">
+              <a:rPr lang="en-US" dirty="0">
                 <a:latin typeface="Calibri" pitchFamily="34" charset="0"/>
               </a:rPr>
               <a:t>(context, arguments); </a:t>
@@ -4467,7 +4346,7 @@
           </a:p>
           <a:p>
             <a:r>
-              <a:rPr lang="en-US" dirty="0" smtClean="0">
+              <a:rPr lang="en-US" dirty="0">
                 <a:latin typeface="Calibri" pitchFamily="34" charset="0"/>
               </a:rPr>
               <a:t>           }; </a:t>
@@ -4475,7 +4354,7 @@
           </a:p>
           <a:p>
             <a:r>
-              <a:rPr lang="en-US" dirty="0" smtClean="0">
+              <a:rPr lang="en-US" dirty="0">
                 <a:latin typeface="Calibri" pitchFamily="34" charset="0"/>
               </a:rPr>
               <a:t>} </a:t>
@@ -4486,20 +4365,13 @@
     </p:spTree>
     <p:extLst>
       <p:ext uri="{BB962C8B-B14F-4D97-AF65-F5344CB8AC3E}">
-        <p14:creationId xmlns="" xmlns:p14="http://schemas.microsoft.com/office/powerpoint/2010/main" val="9290874"/>
+        <p14:creationId xmlns:p14="http://schemas.microsoft.com/office/powerpoint/2010/main" val="9290874"/>
       </p:ext>
     </p:extLst>
   </p:cSld>
   <p:clrMapOvr>
     <a:masterClrMapping/>
   </p:clrMapOvr>
-  <p:timing>
-    <p:tnLst>
-      <p:par>
-        <p:cTn id="1" dur="indefinite" restart="never" nodeType="tmRoot"/>
-      </p:par>
-    </p:tnLst>
-  </p:timing>
 </p:sld>
 </file>
 
